--- a/Presentation Report/Report.pptx
+++ b/Presentation Report/Report.pptx
@@ -5,18 +5,22 @@
     <p:sldMasterId id="2147483648" r:id="rId1"/>
   </p:sldMasterIdLst>
   <p:sldIdLst>
-    <p:sldId id="267" r:id="rId2"/>
-    <p:sldId id="256" r:id="rId3"/>
-    <p:sldId id="257" r:id="rId4"/>
+    <p:sldId id="256" r:id="rId2"/>
+    <p:sldId id="257" r:id="rId3"/>
+    <p:sldId id="259" r:id="rId4"/>
     <p:sldId id="258" r:id="rId5"/>
-    <p:sldId id="259" r:id="rId6"/>
-    <p:sldId id="260" r:id="rId7"/>
-    <p:sldId id="261" r:id="rId8"/>
-    <p:sldId id="262" r:id="rId9"/>
-    <p:sldId id="263" r:id="rId10"/>
-    <p:sldId id="264" r:id="rId11"/>
-    <p:sldId id="265" r:id="rId12"/>
-    <p:sldId id="266" r:id="rId13"/>
+    <p:sldId id="260" r:id="rId6"/>
+    <p:sldId id="261" r:id="rId7"/>
+    <p:sldId id="262" r:id="rId8"/>
+    <p:sldId id="263" r:id="rId9"/>
+    <p:sldId id="264" r:id="rId10"/>
+    <p:sldId id="265" r:id="rId11"/>
+    <p:sldId id="266" r:id="rId12"/>
+    <p:sldId id="267" r:id="rId13"/>
+    <p:sldId id="268" r:id="rId14"/>
+    <p:sldId id="269" r:id="rId15"/>
+    <p:sldId id="271" r:id="rId16"/>
+    <p:sldId id="270" r:id="rId17"/>
   </p:sldIdLst>
   <p:sldSz cx="12192000" cy="6858000"/>
   <p:notesSz cx="6858000" cy="9144000"/>
@@ -149,7 +153,7 @@
           <p:cNvPr id="2" name="Title 1">
             <a:extLst>
               <a:ext uri="{FF2B5EF4-FFF2-40B4-BE49-F238E27FC236}">
-                <a16:creationId xmlns:a16="http://schemas.microsoft.com/office/drawing/2014/main" id="{BEFB727A-3024-4384-BA32-B92EE74EBFF7}"/>
+                <a16:creationId xmlns:a16="http://schemas.microsoft.com/office/drawing/2014/main" id="{1525A453-FE9B-4EB9-AC64-B461B0915194}"/>
               </a:ext>
             </a:extLst>
           </p:cNvPr>
@@ -187,7 +191,7 @@
           <p:cNvPr id="3" name="Subtitle 2">
             <a:extLst>
               <a:ext uri="{FF2B5EF4-FFF2-40B4-BE49-F238E27FC236}">
-                <a16:creationId xmlns:a16="http://schemas.microsoft.com/office/drawing/2014/main" id="{5FD87D9E-EA84-49F1-8AF7-472E28FFD4F3}"/>
+                <a16:creationId xmlns:a16="http://schemas.microsoft.com/office/drawing/2014/main" id="{87B5C46F-D085-4B3F-92F0-A50309EE1513}"/>
               </a:ext>
             </a:extLst>
           </p:cNvPr>
@@ -258,7 +262,7 @@
           <p:cNvPr id="4" name="Date Placeholder 3">
             <a:extLst>
               <a:ext uri="{FF2B5EF4-FFF2-40B4-BE49-F238E27FC236}">
-                <a16:creationId xmlns:a16="http://schemas.microsoft.com/office/drawing/2014/main" id="{93FFA8B6-9B73-473C-97B1-4BB5397B159F}"/>
+                <a16:creationId xmlns:a16="http://schemas.microsoft.com/office/drawing/2014/main" id="{B9B4B75E-0160-4336-9EB0-E5C54EAE5B97}"/>
               </a:ext>
             </a:extLst>
           </p:cNvPr>
@@ -274,9 +278,9 @@
           <a:bodyPr/>
           <a:lstStyle/>
           <a:p>
-            <a:fld id="{EA070679-CD53-4DED-BC4C-336782002F99}" type="datetimeFigureOut">
+            <a:fld id="{C4C246C6-4E4C-4C05-BDCE-0E6379AA2A92}" type="datetimeFigureOut">
               <a:rPr lang="en-IN" smtClean="0"/>
-              <a:t>01-06-2018</a:t>
+              <a:t>04-06-2018</a:t>
             </a:fld>
             <a:endParaRPr lang="en-IN"/>
           </a:p>
@@ -287,7 +291,7 @@
           <p:cNvPr id="5" name="Footer Placeholder 4">
             <a:extLst>
               <a:ext uri="{FF2B5EF4-FFF2-40B4-BE49-F238E27FC236}">
-                <a16:creationId xmlns:a16="http://schemas.microsoft.com/office/drawing/2014/main" id="{D9133847-E791-4E88-A585-152BF5BF8018}"/>
+                <a16:creationId xmlns:a16="http://schemas.microsoft.com/office/drawing/2014/main" id="{809426A5-A0C3-4FA4-AB41-724ED56E9662}"/>
               </a:ext>
             </a:extLst>
           </p:cNvPr>
@@ -312,7 +316,7 @@
           <p:cNvPr id="6" name="Slide Number Placeholder 5">
             <a:extLst>
               <a:ext uri="{FF2B5EF4-FFF2-40B4-BE49-F238E27FC236}">
-                <a16:creationId xmlns:a16="http://schemas.microsoft.com/office/drawing/2014/main" id="{F02E7A4C-4F16-41A8-9408-AC85E6B6E945}"/>
+                <a16:creationId xmlns:a16="http://schemas.microsoft.com/office/drawing/2014/main" id="{E6D4E28F-753A-4C0F-BA93-8016D30F5472}"/>
               </a:ext>
             </a:extLst>
           </p:cNvPr>
@@ -328,7 +332,7 @@
           <a:bodyPr/>
           <a:lstStyle/>
           <a:p>
-            <a:fld id="{90321A3F-69F6-4D7A-8BA5-E1ED41F9339E}" type="slidenum">
+            <a:fld id="{1FB1969A-0187-419D-8F9C-C20D08C08A1B}" type="slidenum">
               <a:rPr lang="en-IN" smtClean="0"/>
               <a:t>‹#›</a:t>
             </a:fld>
@@ -339,7 +343,7 @@
     </p:spTree>
     <p:extLst>
       <p:ext uri="{BB962C8B-B14F-4D97-AF65-F5344CB8AC3E}">
-        <p14:creationId xmlns:p14="http://schemas.microsoft.com/office/powerpoint/2010/main" val="3771204560"/>
+        <p14:creationId xmlns:p14="http://schemas.microsoft.com/office/powerpoint/2010/main" val="2414296503"/>
       </p:ext>
     </p:extLst>
   </p:cSld>
@@ -371,7 +375,7 @@
           <p:cNvPr id="2" name="Title 1">
             <a:extLst>
               <a:ext uri="{FF2B5EF4-FFF2-40B4-BE49-F238E27FC236}">
-                <a16:creationId xmlns:a16="http://schemas.microsoft.com/office/drawing/2014/main" id="{58B6B1E2-1EC9-4771-9783-AEEB27A28E72}"/>
+                <a16:creationId xmlns:a16="http://schemas.microsoft.com/office/drawing/2014/main" id="{B5154589-F369-4FB4-945F-F5FE8EDA68BF}"/>
               </a:ext>
             </a:extLst>
           </p:cNvPr>
@@ -400,7 +404,7 @@
           <p:cNvPr id="3" name="Vertical Text Placeholder 2">
             <a:extLst>
               <a:ext uri="{FF2B5EF4-FFF2-40B4-BE49-F238E27FC236}">
-                <a16:creationId xmlns:a16="http://schemas.microsoft.com/office/drawing/2014/main" id="{020A3915-873C-4D2E-8633-C5D872691057}"/>
+                <a16:creationId xmlns:a16="http://schemas.microsoft.com/office/drawing/2014/main" id="{84FDECFE-8BDB-4708-A4E7-F21F8BE1C20F}"/>
               </a:ext>
             </a:extLst>
           </p:cNvPr>
@@ -458,7 +462,7 @@
           <p:cNvPr id="4" name="Date Placeholder 3">
             <a:extLst>
               <a:ext uri="{FF2B5EF4-FFF2-40B4-BE49-F238E27FC236}">
-                <a16:creationId xmlns:a16="http://schemas.microsoft.com/office/drawing/2014/main" id="{934FB9DC-FA44-44CC-9B84-21F889503EEE}"/>
+                <a16:creationId xmlns:a16="http://schemas.microsoft.com/office/drawing/2014/main" id="{3B4EE41D-F741-43DD-AAA5-CF61BC21275D}"/>
               </a:ext>
             </a:extLst>
           </p:cNvPr>
@@ -474,9 +478,9 @@
           <a:bodyPr/>
           <a:lstStyle/>
           <a:p>
-            <a:fld id="{EA070679-CD53-4DED-BC4C-336782002F99}" type="datetimeFigureOut">
+            <a:fld id="{C4C246C6-4E4C-4C05-BDCE-0E6379AA2A92}" type="datetimeFigureOut">
               <a:rPr lang="en-IN" smtClean="0"/>
-              <a:t>01-06-2018</a:t>
+              <a:t>04-06-2018</a:t>
             </a:fld>
             <a:endParaRPr lang="en-IN"/>
           </a:p>
@@ -487,7 +491,7 @@
           <p:cNvPr id="5" name="Footer Placeholder 4">
             <a:extLst>
               <a:ext uri="{FF2B5EF4-FFF2-40B4-BE49-F238E27FC236}">
-                <a16:creationId xmlns:a16="http://schemas.microsoft.com/office/drawing/2014/main" id="{481AB204-8C99-4EE7-BB3E-90F68042A9D8}"/>
+                <a16:creationId xmlns:a16="http://schemas.microsoft.com/office/drawing/2014/main" id="{B633E7DE-D3CA-4A92-BCAD-A3C26C18A430}"/>
               </a:ext>
             </a:extLst>
           </p:cNvPr>
@@ -512,7 +516,7 @@
           <p:cNvPr id="6" name="Slide Number Placeholder 5">
             <a:extLst>
               <a:ext uri="{FF2B5EF4-FFF2-40B4-BE49-F238E27FC236}">
-                <a16:creationId xmlns:a16="http://schemas.microsoft.com/office/drawing/2014/main" id="{B312FAEB-564B-4D59-BE9E-E2E1D41FB227}"/>
+                <a16:creationId xmlns:a16="http://schemas.microsoft.com/office/drawing/2014/main" id="{84C84AC5-FE83-46F1-BD93-59820FECC2A7}"/>
               </a:ext>
             </a:extLst>
           </p:cNvPr>
@@ -528,7 +532,7 @@
           <a:bodyPr/>
           <a:lstStyle/>
           <a:p>
-            <a:fld id="{90321A3F-69F6-4D7A-8BA5-E1ED41F9339E}" type="slidenum">
+            <a:fld id="{1FB1969A-0187-419D-8F9C-C20D08C08A1B}" type="slidenum">
               <a:rPr lang="en-IN" smtClean="0"/>
               <a:t>‹#›</a:t>
             </a:fld>
@@ -539,7 +543,7 @@
     </p:spTree>
     <p:extLst>
       <p:ext uri="{BB962C8B-B14F-4D97-AF65-F5344CB8AC3E}">
-        <p14:creationId xmlns:p14="http://schemas.microsoft.com/office/powerpoint/2010/main" val="2716733185"/>
+        <p14:creationId xmlns:p14="http://schemas.microsoft.com/office/powerpoint/2010/main" val="865858995"/>
       </p:ext>
     </p:extLst>
   </p:cSld>
@@ -571,7 +575,7 @@
           <p:cNvPr id="2" name="Vertical Title 1">
             <a:extLst>
               <a:ext uri="{FF2B5EF4-FFF2-40B4-BE49-F238E27FC236}">
-                <a16:creationId xmlns:a16="http://schemas.microsoft.com/office/drawing/2014/main" id="{2FD16DE3-36CE-4BA8-9752-B55AF220535E}"/>
+                <a16:creationId xmlns:a16="http://schemas.microsoft.com/office/drawing/2014/main" id="{80D7B94A-F465-49CD-B504-90C7C28F13F1}"/>
               </a:ext>
             </a:extLst>
           </p:cNvPr>
@@ -605,7 +609,7 @@
           <p:cNvPr id="3" name="Vertical Text Placeholder 2">
             <a:extLst>
               <a:ext uri="{FF2B5EF4-FFF2-40B4-BE49-F238E27FC236}">
-                <a16:creationId xmlns:a16="http://schemas.microsoft.com/office/drawing/2014/main" id="{4BB929A2-EBBE-4785-9593-8B7999A5B87E}"/>
+                <a16:creationId xmlns:a16="http://schemas.microsoft.com/office/drawing/2014/main" id="{3B43C389-D8C2-4D67-B3A9-D989C3EADD65}"/>
               </a:ext>
             </a:extLst>
           </p:cNvPr>
@@ -668,7 +672,7 @@
           <p:cNvPr id="4" name="Date Placeholder 3">
             <a:extLst>
               <a:ext uri="{FF2B5EF4-FFF2-40B4-BE49-F238E27FC236}">
-                <a16:creationId xmlns:a16="http://schemas.microsoft.com/office/drawing/2014/main" id="{021C1305-0EFD-4625-8EF3-3FEBAEA2E7FB}"/>
+                <a16:creationId xmlns:a16="http://schemas.microsoft.com/office/drawing/2014/main" id="{1CC42281-2711-47B8-B5AD-B8C9BB14C6DD}"/>
               </a:ext>
             </a:extLst>
           </p:cNvPr>
@@ -684,9 +688,9 @@
           <a:bodyPr/>
           <a:lstStyle/>
           <a:p>
-            <a:fld id="{EA070679-CD53-4DED-BC4C-336782002F99}" type="datetimeFigureOut">
+            <a:fld id="{C4C246C6-4E4C-4C05-BDCE-0E6379AA2A92}" type="datetimeFigureOut">
               <a:rPr lang="en-IN" smtClean="0"/>
-              <a:t>01-06-2018</a:t>
+              <a:t>04-06-2018</a:t>
             </a:fld>
             <a:endParaRPr lang="en-IN"/>
           </a:p>
@@ -697,7 +701,7 @@
           <p:cNvPr id="5" name="Footer Placeholder 4">
             <a:extLst>
               <a:ext uri="{FF2B5EF4-FFF2-40B4-BE49-F238E27FC236}">
-                <a16:creationId xmlns:a16="http://schemas.microsoft.com/office/drawing/2014/main" id="{7240F5DC-3A85-4C5E-A5AA-B977588F6E24}"/>
+                <a16:creationId xmlns:a16="http://schemas.microsoft.com/office/drawing/2014/main" id="{99B7EDEE-478F-425F-AB7D-00005E9788E9}"/>
               </a:ext>
             </a:extLst>
           </p:cNvPr>
@@ -722,7 +726,7 @@
           <p:cNvPr id="6" name="Slide Number Placeholder 5">
             <a:extLst>
               <a:ext uri="{FF2B5EF4-FFF2-40B4-BE49-F238E27FC236}">
-                <a16:creationId xmlns:a16="http://schemas.microsoft.com/office/drawing/2014/main" id="{9FA58BE2-A563-409E-BBBB-78A5B48DAB95}"/>
+                <a16:creationId xmlns:a16="http://schemas.microsoft.com/office/drawing/2014/main" id="{B41E6D71-6003-4FF5-B875-D2E866DB354B}"/>
               </a:ext>
             </a:extLst>
           </p:cNvPr>
@@ -738,7 +742,7 @@
           <a:bodyPr/>
           <a:lstStyle/>
           <a:p>
-            <a:fld id="{90321A3F-69F6-4D7A-8BA5-E1ED41F9339E}" type="slidenum">
+            <a:fld id="{1FB1969A-0187-419D-8F9C-C20D08C08A1B}" type="slidenum">
               <a:rPr lang="en-IN" smtClean="0"/>
               <a:t>‹#›</a:t>
             </a:fld>
@@ -749,7 +753,7 @@
     </p:spTree>
     <p:extLst>
       <p:ext uri="{BB962C8B-B14F-4D97-AF65-F5344CB8AC3E}">
-        <p14:creationId xmlns:p14="http://schemas.microsoft.com/office/powerpoint/2010/main" val="2366201256"/>
+        <p14:creationId xmlns:p14="http://schemas.microsoft.com/office/powerpoint/2010/main" val="1605521185"/>
       </p:ext>
     </p:extLst>
   </p:cSld>
@@ -781,7 +785,7 @@
           <p:cNvPr id="2" name="Title 1">
             <a:extLst>
               <a:ext uri="{FF2B5EF4-FFF2-40B4-BE49-F238E27FC236}">
-                <a16:creationId xmlns:a16="http://schemas.microsoft.com/office/drawing/2014/main" id="{24C02443-8506-4266-A11F-6EEE45176462}"/>
+                <a16:creationId xmlns:a16="http://schemas.microsoft.com/office/drawing/2014/main" id="{54A5E034-460D-4311-A587-6B8F49AC0A70}"/>
               </a:ext>
             </a:extLst>
           </p:cNvPr>
@@ -810,7 +814,7 @@
           <p:cNvPr id="3" name="Content Placeholder 2">
             <a:extLst>
               <a:ext uri="{FF2B5EF4-FFF2-40B4-BE49-F238E27FC236}">
-                <a16:creationId xmlns:a16="http://schemas.microsoft.com/office/drawing/2014/main" id="{9A6DE77D-989B-4DA4-96F1-3689B53FC0D4}"/>
+                <a16:creationId xmlns:a16="http://schemas.microsoft.com/office/drawing/2014/main" id="{5644D699-F46F-4801-8828-FCB66C7BA5A3}"/>
               </a:ext>
             </a:extLst>
           </p:cNvPr>
@@ -868,7 +872,7 @@
           <p:cNvPr id="4" name="Date Placeholder 3">
             <a:extLst>
               <a:ext uri="{FF2B5EF4-FFF2-40B4-BE49-F238E27FC236}">
-                <a16:creationId xmlns:a16="http://schemas.microsoft.com/office/drawing/2014/main" id="{F5E87387-2F09-481D-AD21-555A22F30054}"/>
+                <a16:creationId xmlns:a16="http://schemas.microsoft.com/office/drawing/2014/main" id="{28553CAE-F383-45C4-904E-54C35DE6A7F2}"/>
               </a:ext>
             </a:extLst>
           </p:cNvPr>
@@ -884,9 +888,9 @@
           <a:bodyPr/>
           <a:lstStyle/>
           <a:p>
-            <a:fld id="{EA070679-CD53-4DED-BC4C-336782002F99}" type="datetimeFigureOut">
+            <a:fld id="{C4C246C6-4E4C-4C05-BDCE-0E6379AA2A92}" type="datetimeFigureOut">
               <a:rPr lang="en-IN" smtClean="0"/>
-              <a:t>01-06-2018</a:t>
+              <a:t>04-06-2018</a:t>
             </a:fld>
             <a:endParaRPr lang="en-IN"/>
           </a:p>
@@ -897,7 +901,7 @@
           <p:cNvPr id="5" name="Footer Placeholder 4">
             <a:extLst>
               <a:ext uri="{FF2B5EF4-FFF2-40B4-BE49-F238E27FC236}">
-                <a16:creationId xmlns:a16="http://schemas.microsoft.com/office/drawing/2014/main" id="{4A3B88C1-4052-4C9D-B83C-A7BE0B98B701}"/>
+                <a16:creationId xmlns:a16="http://schemas.microsoft.com/office/drawing/2014/main" id="{704D5360-1D8C-441A-A66F-4BD7CDE4C234}"/>
               </a:ext>
             </a:extLst>
           </p:cNvPr>
@@ -922,7 +926,7 @@
           <p:cNvPr id="6" name="Slide Number Placeholder 5">
             <a:extLst>
               <a:ext uri="{FF2B5EF4-FFF2-40B4-BE49-F238E27FC236}">
-                <a16:creationId xmlns:a16="http://schemas.microsoft.com/office/drawing/2014/main" id="{06CF1D55-5F6E-4705-93F7-EC0EA9ED6157}"/>
+                <a16:creationId xmlns:a16="http://schemas.microsoft.com/office/drawing/2014/main" id="{ECB12A74-B703-46DC-A7EC-95CD0A02C19B}"/>
               </a:ext>
             </a:extLst>
           </p:cNvPr>
@@ -938,7 +942,7 @@
           <a:bodyPr/>
           <a:lstStyle/>
           <a:p>
-            <a:fld id="{90321A3F-69F6-4D7A-8BA5-E1ED41F9339E}" type="slidenum">
+            <a:fld id="{1FB1969A-0187-419D-8F9C-C20D08C08A1B}" type="slidenum">
               <a:rPr lang="en-IN" smtClean="0"/>
               <a:t>‹#›</a:t>
             </a:fld>
@@ -949,7 +953,7 @@
     </p:spTree>
     <p:extLst>
       <p:ext uri="{BB962C8B-B14F-4D97-AF65-F5344CB8AC3E}">
-        <p14:creationId xmlns:p14="http://schemas.microsoft.com/office/powerpoint/2010/main" val="3885885346"/>
+        <p14:creationId xmlns:p14="http://schemas.microsoft.com/office/powerpoint/2010/main" val="3010401815"/>
       </p:ext>
     </p:extLst>
   </p:cSld>
@@ -981,7 +985,7 @@
           <p:cNvPr id="2" name="Title 1">
             <a:extLst>
               <a:ext uri="{FF2B5EF4-FFF2-40B4-BE49-F238E27FC236}">
-                <a16:creationId xmlns:a16="http://schemas.microsoft.com/office/drawing/2014/main" id="{71D00A22-DB76-4933-A31B-EF677524C4D7}"/>
+                <a16:creationId xmlns:a16="http://schemas.microsoft.com/office/drawing/2014/main" id="{FF6F0764-37D2-4BC5-AE72-5018107C915F}"/>
               </a:ext>
             </a:extLst>
           </p:cNvPr>
@@ -1019,7 +1023,7 @@
           <p:cNvPr id="3" name="Text Placeholder 2">
             <a:extLst>
               <a:ext uri="{FF2B5EF4-FFF2-40B4-BE49-F238E27FC236}">
-                <a16:creationId xmlns:a16="http://schemas.microsoft.com/office/drawing/2014/main" id="{CFB7E741-48A5-40A8-8921-094F805E3F7F}"/>
+                <a16:creationId xmlns:a16="http://schemas.microsoft.com/office/drawing/2014/main" id="{2DFAA297-87FE-4D2D-BF44-3F2D08935602}"/>
               </a:ext>
             </a:extLst>
           </p:cNvPr>
@@ -1144,7 +1148,7 @@
           <p:cNvPr id="4" name="Date Placeholder 3">
             <a:extLst>
               <a:ext uri="{FF2B5EF4-FFF2-40B4-BE49-F238E27FC236}">
-                <a16:creationId xmlns:a16="http://schemas.microsoft.com/office/drawing/2014/main" id="{10F2C7B3-3B63-4132-AC69-A4F1BAA2734A}"/>
+                <a16:creationId xmlns:a16="http://schemas.microsoft.com/office/drawing/2014/main" id="{491998D5-08B9-4D7B-9005-8C5B9B809B68}"/>
               </a:ext>
             </a:extLst>
           </p:cNvPr>
@@ -1160,9 +1164,9 @@
           <a:bodyPr/>
           <a:lstStyle/>
           <a:p>
-            <a:fld id="{EA070679-CD53-4DED-BC4C-336782002F99}" type="datetimeFigureOut">
+            <a:fld id="{C4C246C6-4E4C-4C05-BDCE-0E6379AA2A92}" type="datetimeFigureOut">
               <a:rPr lang="en-IN" smtClean="0"/>
-              <a:t>01-06-2018</a:t>
+              <a:t>04-06-2018</a:t>
             </a:fld>
             <a:endParaRPr lang="en-IN"/>
           </a:p>
@@ -1173,7 +1177,7 @@
           <p:cNvPr id="5" name="Footer Placeholder 4">
             <a:extLst>
               <a:ext uri="{FF2B5EF4-FFF2-40B4-BE49-F238E27FC236}">
-                <a16:creationId xmlns:a16="http://schemas.microsoft.com/office/drawing/2014/main" id="{2A0EA8B8-F775-4257-8372-69294C3EA243}"/>
+                <a16:creationId xmlns:a16="http://schemas.microsoft.com/office/drawing/2014/main" id="{1F208ECC-DC14-44FD-819F-1C0D07E49492}"/>
               </a:ext>
             </a:extLst>
           </p:cNvPr>
@@ -1198,7 +1202,7 @@
           <p:cNvPr id="6" name="Slide Number Placeholder 5">
             <a:extLst>
               <a:ext uri="{FF2B5EF4-FFF2-40B4-BE49-F238E27FC236}">
-                <a16:creationId xmlns:a16="http://schemas.microsoft.com/office/drawing/2014/main" id="{D8B560C9-003F-4317-80C4-745401BDD4D5}"/>
+                <a16:creationId xmlns:a16="http://schemas.microsoft.com/office/drawing/2014/main" id="{E9AF3D12-E605-46F0-B5BE-07DFD88470DA}"/>
               </a:ext>
             </a:extLst>
           </p:cNvPr>
@@ -1214,7 +1218,7 @@
           <a:bodyPr/>
           <a:lstStyle/>
           <a:p>
-            <a:fld id="{90321A3F-69F6-4D7A-8BA5-E1ED41F9339E}" type="slidenum">
+            <a:fld id="{1FB1969A-0187-419D-8F9C-C20D08C08A1B}" type="slidenum">
               <a:rPr lang="en-IN" smtClean="0"/>
               <a:t>‹#›</a:t>
             </a:fld>
@@ -1225,7 +1229,7 @@
     </p:spTree>
     <p:extLst>
       <p:ext uri="{BB962C8B-B14F-4D97-AF65-F5344CB8AC3E}">
-        <p14:creationId xmlns:p14="http://schemas.microsoft.com/office/powerpoint/2010/main" val="1463062577"/>
+        <p14:creationId xmlns:p14="http://schemas.microsoft.com/office/powerpoint/2010/main" val="2383394326"/>
       </p:ext>
     </p:extLst>
   </p:cSld>
@@ -1257,7 +1261,7 @@
           <p:cNvPr id="2" name="Title 1">
             <a:extLst>
               <a:ext uri="{FF2B5EF4-FFF2-40B4-BE49-F238E27FC236}">
-                <a16:creationId xmlns:a16="http://schemas.microsoft.com/office/drawing/2014/main" id="{351130C7-60AD-4DA2-9E80-94FDAC43BF7A}"/>
+                <a16:creationId xmlns:a16="http://schemas.microsoft.com/office/drawing/2014/main" id="{0C078296-3979-4887-B2F6-3695BEDFFC49}"/>
               </a:ext>
             </a:extLst>
           </p:cNvPr>
@@ -1286,7 +1290,7 @@
           <p:cNvPr id="3" name="Content Placeholder 2">
             <a:extLst>
               <a:ext uri="{FF2B5EF4-FFF2-40B4-BE49-F238E27FC236}">
-                <a16:creationId xmlns:a16="http://schemas.microsoft.com/office/drawing/2014/main" id="{CE388BA2-25A8-4AEA-BC29-BAB08F499A02}"/>
+                <a16:creationId xmlns:a16="http://schemas.microsoft.com/office/drawing/2014/main" id="{65710900-E140-4B86-A865-738974E36BA1}"/>
               </a:ext>
             </a:extLst>
           </p:cNvPr>
@@ -1349,7 +1353,7 @@
           <p:cNvPr id="4" name="Content Placeholder 3">
             <a:extLst>
               <a:ext uri="{FF2B5EF4-FFF2-40B4-BE49-F238E27FC236}">
-                <a16:creationId xmlns:a16="http://schemas.microsoft.com/office/drawing/2014/main" id="{68DB202D-CD18-40AB-AC97-2C2364ED6322}"/>
+                <a16:creationId xmlns:a16="http://schemas.microsoft.com/office/drawing/2014/main" id="{3179E5FA-BB89-415B-964E-67A95165393D}"/>
               </a:ext>
             </a:extLst>
           </p:cNvPr>
@@ -1412,7 +1416,7 @@
           <p:cNvPr id="5" name="Date Placeholder 4">
             <a:extLst>
               <a:ext uri="{FF2B5EF4-FFF2-40B4-BE49-F238E27FC236}">
-                <a16:creationId xmlns:a16="http://schemas.microsoft.com/office/drawing/2014/main" id="{429D4DB2-E77C-45A1-AFC5-A4851525D604}"/>
+                <a16:creationId xmlns:a16="http://schemas.microsoft.com/office/drawing/2014/main" id="{7CA9523C-E34E-4CE8-B623-5F3A1E6BE8C0}"/>
               </a:ext>
             </a:extLst>
           </p:cNvPr>
@@ -1428,9 +1432,9 @@
           <a:bodyPr/>
           <a:lstStyle/>
           <a:p>
-            <a:fld id="{EA070679-CD53-4DED-BC4C-336782002F99}" type="datetimeFigureOut">
+            <a:fld id="{C4C246C6-4E4C-4C05-BDCE-0E6379AA2A92}" type="datetimeFigureOut">
               <a:rPr lang="en-IN" smtClean="0"/>
-              <a:t>01-06-2018</a:t>
+              <a:t>04-06-2018</a:t>
             </a:fld>
             <a:endParaRPr lang="en-IN"/>
           </a:p>
@@ -1441,7 +1445,7 @@
           <p:cNvPr id="6" name="Footer Placeholder 5">
             <a:extLst>
               <a:ext uri="{FF2B5EF4-FFF2-40B4-BE49-F238E27FC236}">
-                <a16:creationId xmlns:a16="http://schemas.microsoft.com/office/drawing/2014/main" id="{51D61747-6F98-4CD6-8F77-9E5411D128B7}"/>
+                <a16:creationId xmlns:a16="http://schemas.microsoft.com/office/drawing/2014/main" id="{3A38B978-44F6-4C76-812D-0EA2E764E2FD}"/>
               </a:ext>
             </a:extLst>
           </p:cNvPr>
@@ -1466,7 +1470,7 @@
           <p:cNvPr id="7" name="Slide Number Placeholder 6">
             <a:extLst>
               <a:ext uri="{FF2B5EF4-FFF2-40B4-BE49-F238E27FC236}">
-                <a16:creationId xmlns:a16="http://schemas.microsoft.com/office/drawing/2014/main" id="{FCF2A06A-D652-4A80-8214-305A5A1C7E9C}"/>
+                <a16:creationId xmlns:a16="http://schemas.microsoft.com/office/drawing/2014/main" id="{AEBE735C-FF54-448A-BFFD-52D7DD8DDDB4}"/>
               </a:ext>
             </a:extLst>
           </p:cNvPr>
@@ -1482,7 +1486,7 @@
           <a:bodyPr/>
           <a:lstStyle/>
           <a:p>
-            <a:fld id="{90321A3F-69F6-4D7A-8BA5-E1ED41F9339E}" type="slidenum">
+            <a:fld id="{1FB1969A-0187-419D-8F9C-C20D08C08A1B}" type="slidenum">
               <a:rPr lang="en-IN" smtClean="0"/>
               <a:t>‹#›</a:t>
             </a:fld>
@@ -1493,7 +1497,7 @@
     </p:spTree>
     <p:extLst>
       <p:ext uri="{BB962C8B-B14F-4D97-AF65-F5344CB8AC3E}">
-        <p14:creationId xmlns:p14="http://schemas.microsoft.com/office/powerpoint/2010/main" val="2266911"/>
+        <p14:creationId xmlns:p14="http://schemas.microsoft.com/office/powerpoint/2010/main" val="704005554"/>
       </p:ext>
     </p:extLst>
   </p:cSld>
@@ -1525,7 +1529,7 @@
           <p:cNvPr id="2" name="Title 1">
             <a:extLst>
               <a:ext uri="{FF2B5EF4-FFF2-40B4-BE49-F238E27FC236}">
-                <a16:creationId xmlns:a16="http://schemas.microsoft.com/office/drawing/2014/main" id="{F560932E-3462-4B3F-94F6-5A25FC2ED70C}"/>
+                <a16:creationId xmlns:a16="http://schemas.microsoft.com/office/drawing/2014/main" id="{1A81CC11-3032-4016-AAD5-1E21682B327D}"/>
               </a:ext>
             </a:extLst>
           </p:cNvPr>
@@ -1559,7 +1563,7 @@
           <p:cNvPr id="3" name="Text Placeholder 2">
             <a:extLst>
               <a:ext uri="{FF2B5EF4-FFF2-40B4-BE49-F238E27FC236}">
-                <a16:creationId xmlns:a16="http://schemas.microsoft.com/office/drawing/2014/main" id="{E5772E5B-BA5D-477F-8AD3-A0A8FB730E65}"/>
+                <a16:creationId xmlns:a16="http://schemas.microsoft.com/office/drawing/2014/main" id="{7190A2EC-B46A-4237-BEB1-B2C88ABCF064}"/>
               </a:ext>
             </a:extLst>
           </p:cNvPr>
@@ -1630,7 +1634,7 @@
           <p:cNvPr id="4" name="Content Placeholder 3">
             <a:extLst>
               <a:ext uri="{FF2B5EF4-FFF2-40B4-BE49-F238E27FC236}">
-                <a16:creationId xmlns:a16="http://schemas.microsoft.com/office/drawing/2014/main" id="{6E2B48F7-2F90-454E-A7A2-65915CA57C36}"/>
+                <a16:creationId xmlns:a16="http://schemas.microsoft.com/office/drawing/2014/main" id="{53AC9F5D-C279-488D-9CB0-8D454F0FFCF3}"/>
               </a:ext>
             </a:extLst>
           </p:cNvPr>
@@ -1693,7 +1697,7 @@
           <p:cNvPr id="5" name="Text Placeholder 4">
             <a:extLst>
               <a:ext uri="{FF2B5EF4-FFF2-40B4-BE49-F238E27FC236}">
-                <a16:creationId xmlns:a16="http://schemas.microsoft.com/office/drawing/2014/main" id="{66FE9AAC-62A4-408F-972E-6B0554229279}"/>
+                <a16:creationId xmlns:a16="http://schemas.microsoft.com/office/drawing/2014/main" id="{3483D21E-DC2D-4F82-841D-29B46EB3E4AB}"/>
               </a:ext>
             </a:extLst>
           </p:cNvPr>
@@ -1764,7 +1768,7 @@
           <p:cNvPr id="6" name="Content Placeholder 5">
             <a:extLst>
               <a:ext uri="{FF2B5EF4-FFF2-40B4-BE49-F238E27FC236}">
-                <a16:creationId xmlns:a16="http://schemas.microsoft.com/office/drawing/2014/main" id="{EB47B0EF-722A-42F9-BB04-82845B361B06}"/>
+                <a16:creationId xmlns:a16="http://schemas.microsoft.com/office/drawing/2014/main" id="{A66B702A-6857-4552-8CA1-3B0CC5A0DEEB}"/>
               </a:ext>
             </a:extLst>
           </p:cNvPr>
@@ -1827,7 +1831,7 @@
           <p:cNvPr id="7" name="Date Placeholder 6">
             <a:extLst>
               <a:ext uri="{FF2B5EF4-FFF2-40B4-BE49-F238E27FC236}">
-                <a16:creationId xmlns:a16="http://schemas.microsoft.com/office/drawing/2014/main" id="{F361FF6F-FACB-4133-827D-19862A24AF4C}"/>
+                <a16:creationId xmlns:a16="http://schemas.microsoft.com/office/drawing/2014/main" id="{BD49262A-FA72-4661-ACF6-B668C8ABF5AB}"/>
               </a:ext>
             </a:extLst>
           </p:cNvPr>
@@ -1843,9 +1847,9 @@
           <a:bodyPr/>
           <a:lstStyle/>
           <a:p>
-            <a:fld id="{EA070679-CD53-4DED-BC4C-336782002F99}" type="datetimeFigureOut">
+            <a:fld id="{C4C246C6-4E4C-4C05-BDCE-0E6379AA2A92}" type="datetimeFigureOut">
               <a:rPr lang="en-IN" smtClean="0"/>
-              <a:t>01-06-2018</a:t>
+              <a:t>04-06-2018</a:t>
             </a:fld>
             <a:endParaRPr lang="en-IN"/>
           </a:p>
@@ -1856,7 +1860,7 @@
           <p:cNvPr id="8" name="Footer Placeholder 7">
             <a:extLst>
               <a:ext uri="{FF2B5EF4-FFF2-40B4-BE49-F238E27FC236}">
-                <a16:creationId xmlns:a16="http://schemas.microsoft.com/office/drawing/2014/main" id="{C2342B88-EB54-4160-8190-5122F97C755E}"/>
+                <a16:creationId xmlns:a16="http://schemas.microsoft.com/office/drawing/2014/main" id="{482F5388-2F32-4415-8661-C525D5712006}"/>
               </a:ext>
             </a:extLst>
           </p:cNvPr>
@@ -1881,7 +1885,7 @@
           <p:cNvPr id="9" name="Slide Number Placeholder 8">
             <a:extLst>
               <a:ext uri="{FF2B5EF4-FFF2-40B4-BE49-F238E27FC236}">
-                <a16:creationId xmlns:a16="http://schemas.microsoft.com/office/drawing/2014/main" id="{41F9B9CB-07C0-4BAE-992D-FAE1D4729329}"/>
+                <a16:creationId xmlns:a16="http://schemas.microsoft.com/office/drawing/2014/main" id="{8FC9910D-8726-44A9-A66C-533C0F860A40}"/>
               </a:ext>
             </a:extLst>
           </p:cNvPr>
@@ -1897,7 +1901,7 @@
           <a:bodyPr/>
           <a:lstStyle/>
           <a:p>
-            <a:fld id="{90321A3F-69F6-4D7A-8BA5-E1ED41F9339E}" type="slidenum">
+            <a:fld id="{1FB1969A-0187-419D-8F9C-C20D08C08A1B}" type="slidenum">
               <a:rPr lang="en-IN" smtClean="0"/>
               <a:t>‹#›</a:t>
             </a:fld>
@@ -1908,7 +1912,7 @@
     </p:spTree>
     <p:extLst>
       <p:ext uri="{BB962C8B-B14F-4D97-AF65-F5344CB8AC3E}">
-        <p14:creationId xmlns:p14="http://schemas.microsoft.com/office/powerpoint/2010/main" val="846889940"/>
+        <p14:creationId xmlns:p14="http://schemas.microsoft.com/office/powerpoint/2010/main" val="1992755413"/>
       </p:ext>
     </p:extLst>
   </p:cSld>
@@ -1940,7 +1944,7 @@
           <p:cNvPr id="2" name="Title 1">
             <a:extLst>
               <a:ext uri="{FF2B5EF4-FFF2-40B4-BE49-F238E27FC236}">
-                <a16:creationId xmlns:a16="http://schemas.microsoft.com/office/drawing/2014/main" id="{C5ABD825-7FC5-419D-B01E-7B8021B6F1C3}"/>
+                <a16:creationId xmlns:a16="http://schemas.microsoft.com/office/drawing/2014/main" id="{4CFF56DE-0A73-4D35-9803-4DB65270F1B5}"/>
               </a:ext>
             </a:extLst>
           </p:cNvPr>
@@ -1969,7 +1973,7 @@
           <p:cNvPr id="3" name="Date Placeholder 2">
             <a:extLst>
               <a:ext uri="{FF2B5EF4-FFF2-40B4-BE49-F238E27FC236}">
-                <a16:creationId xmlns:a16="http://schemas.microsoft.com/office/drawing/2014/main" id="{DEED956D-9B62-40DE-BF50-984D510814DB}"/>
+                <a16:creationId xmlns:a16="http://schemas.microsoft.com/office/drawing/2014/main" id="{0F484CF3-2A42-406D-BE0F-2CE2F525A461}"/>
               </a:ext>
             </a:extLst>
           </p:cNvPr>
@@ -1985,9 +1989,9 @@
           <a:bodyPr/>
           <a:lstStyle/>
           <a:p>
-            <a:fld id="{EA070679-CD53-4DED-BC4C-336782002F99}" type="datetimeFigureOut">
+            <a:fld id="{C4C246C6-4E4C-4C05-BDCE-0E6379AA2A92}" type="datetimeFigureOut">
               <a:rPr lang="en-IN" smtClean="0"/>
-              <a:t>01-06-2018</a:t>
+              <a:t>04-06-2018</a:t>
             </a:fld>
             <a:endParaRPr lang="en-IN"/>
           </a:p>
@@ -1998,7 +2002,7 @@
           <p:cNvPr id="4" name="Footer Placeholder 3">
             <a:extLst>
               <a:ext uri="{FF2B5EF4-FFF2-40B4-BE49-F238E27FC236}">
-                <a16:creationId xmlns:a16="http://schemas.microsoft.com/office/drawing/2014/main" id="{063F4BB8-10B1-4AF7-B543-D320681EB9A0}"/>
+                <a16:creationId xmlns:a16="http://schemas.microsoft.com/office/drawing/2014/main" id="{F94DD034-A98D-45A5-831F-33D14F1C8051}"/>
               </a:ext>
             </a:extLst>
           </p:cNvPr>
@@ -2023,7 +2027,7 @@
           <p:cNvPr id="5" name="Slide Number Placeholder 4">
             <a:extLst>
               <a:ext uri="{FF2B5EF4-FFF2-40B4-BE49-F238E27FC236}">
-                <a16:creationId xmlns:a16="http://schemas.microsoft.com/office/drawing/2014/main" id="{71A72786-5F6F-4BDA-8A6E-BCF90EE15DB0}"/>
+                <a16:creationId xmlns:a16="http://schemas.microsoft.com/office/drawing/2014/main" id="{E35F39F2-F836-4E1E-993E-437437EE4BC3}"/>
               </a:ext>
             </a:extLst>
           </p:cNvPr>
@@ -2039,7 +2043,7 @@
           <a:bodyPr/>
           <a:lstStyle/>
           <a:p>
-            <a:fld id="{90321A3F-69F6-4D7A-8BA5-E1ED41F9339E}" type="slidenum">
+            <a:fld id="{1FB1969A-0187-419D-8F9C-C20D08C08A1B}" type="slidenum">
               <a:rPr lang="en-IN" smtClean="0"/>
               <a:t>‹#›</a:t>
             </a:fld>
@@ -2050,7 +2054,7 @@
     </p:spTree>
     <p:extLst>
       <p:ext uri="{BB962C8B-B14F-4D97-AF65-F5344CB8AC3E}">
-        <p14:creationId xmlns:p14="http://schemas.microsoft.com/office/powerpoint/2010/main" val="2499273722"/>
+        <p14:creationId xmlns:p14="http://schemas.microsoft.com/office/powerpoint/2010/main" val="929891950"/>
       </p:ext>
     </p:extLst>
   </p:cSld>
@@ -2082,7 +2086,7 @@
           <p:cNvPr id="2" name="Date Placeholder 1">
             <a:extLst>
               <a:ext uri="{FF2B5EF4-FFF2-40B4-BE49-F238E27FC236}">
-                <a16:creationId xmlns:a16="http://schemas.microsoft.com/office/drawing/2014/main" id="{70D52C22-8335-4C35-8ED9-21E43F654E7E}"/>
+                <a16:creationId xmlns:a16="http://schemas.microsoft.com/office/drawing/2014/main" id="{9A012942-468E-4A14-A752-D21B627A90ED}"/>
               </a:ext>
             </a:extLst>
           </p:cNvPr>
@@ -2098,9 +2102,9 @@
           <a:bodyPr/>
           <a:lstStyle/>
           <a:p>
-            <a:fld id="{EA070679-CD53-4DED-BC4C-336782002F99}" type="datetimeFigureOut">
+            <a:fld id="{C4C246C6-4E4C-4C05-BDCE-0E6379AA2A92}" type="datetimeFigureOut">
               <a:rPr lang="en-IN" smtClean="0"/>
-              <a:t>01-06-2018</a:t>
+              <a:t>04-06-2018</a:t>
             </a:fld>
             <a:endParaRPr lang="en-IN"/>
           </a:p>
@@ -2111,7 +2115,7 @@
           <p:cNvPr id="3" name="Footer Placeholder 2">
             <a:extLst>
               <a:ext uri="{FF2B5EF4-FFF2-40B4-BE49-F238E27FC236}">
-                <a16:creationId xmlns:a16="http://schemas.microsoft.com/office/drawing/2014/main" id="{B660BD26-A563-458A-804A-E412F3BCA6C2}"/>
+                <a16:creationId xmlns:a16="http://schemas.microsoft.com/office/drawing/2014/main" id="{D6F19054-A106-475C-BC5F-C9742F871777}"/>
               </a:ext>
             </a:extLst>
           </p:cNvPr>
@@ -2136,7 +2140,7 @@
           <p:cNvPr id="4" name="Slide Number Placeholder 3">
             <a:extLst>
               <a:ext uri="{FF2B5EF4-FFF2-40B4-BE49-F238E27FC236}">
-                <a16:creationId xmlns:a16="http://schemas.microsoft.com/office/drawing/2014/main" id="{D3E29AD3-95F4-4177-B117-0845E83115A4}"/>
+                <a16:creationId xmlns:a16="http://schemas.microsoft.com/office/drawing/2014/main" id="{16108065-1D68-4F83-9E27-A85AF0867087}"/>
               </a:ext>
             </a:extLst>
           </p:cNvPr>
@@ -2152,7 +2156,7 @@
           <a:bodyPr/>
           <a:lstStyle/>
           <a:p>
-            <a:fld id="{90321A3F-69F6-4D7A-8BA5-E1ED41F9339E}" type="slidenum">
+            <a:fld id="{1FB1969A-0187-419D-8F9C-C20D08C08A1B}" type="slidenum">
               <a:rPr lang="en-IN" smtClean="0"/>
               <a:t>‹#›</a:t>
             </a:fld>
@@ -2163,7 +2167,7 @@
     </p:spTree>
     <p:extLst>
       <p:ext uri="{BB962C8B-B14F-4D97-AF65-F5344CB8AC3E}">
-        <p14:creationId xmlns:p14="http://schemas.microsoft.com/office/powerpoint/2010/main" val="2777609582"/>
+        <p14:creationId xmlns:p14="http://schemas.microsoft.com/office/powerpoint/2010/main" val="1216404259"/>
       </p:ext>
     </p:extLst>
   </p:cSld>
@@ -2195,7 +2199,7 @@
           <p:cNvPr id="2" name="Title 1">
             <a:extLst>
               <a:ext uri="{FF2B5EF4-FFF2-40B4-BE49-F238E27FC236}">
-                <a16:creationId xmlns:a16="http://schemas.microsoft.com/office/drawing/2014/main" id="{F1C8087E-EDED-4C43-BFBA-896E1A5CE17A}"/>
+                <a16:creationId xmlns:a16="http://schemas.microsoft.com/office/drawing/2014/main" id="{E53A3905-BE3F-4FBE-B8AF-1CCA99AD364A}"/>
               </a:ext>
             </a:extLst>
           </p:cNvPr>
@@ -2233,7 +2237,7 @@
           <p:cNvPr id="3" name="Content Placeholder 2">
             <a:extLst>
               <a:ext uri="{FF2B5EF4-FFF2-40B4-BE49-F238E27FC236}">
-                <a16:creationId xmlns:a16="http://schemas.microsoft.com/office/drawing/2014/main" id="{C27F54F3-B1C6-4BD3-A83A-848A0B4694E3}"/>
+                <a16:creationId xmlns:a16="http://schemas.microsoft.com/office/drawing/2014/main" id="{119A61F3-8647-46E4-9C46-87D675156C15}"/>
               </a:ext>
             </a:extLst>
           </p:cNvPr>
@@ -2324,7 +2328,7 @@
           <p:cNvPr id="4" name="Text Placeholder 3">
             <a:extLst>
               <a:ext uri="{FF2B5EF4-FFF2-40B4-BE49-F238E27FC236}">
-                <a16:creationId xmlns:a16="http://schemas.microsoft.com/office/drawing/2014/main" id="{795DA166-BEF1-4869-BD67-32196EB8C0C2}"/>
+                <a16:creationId xmlns:a16="http://schemas.microsoft.com/office/drawing/2014/main" id="{4068D20A-6F67-4460-8B41-5EC2DE2A8BDA}"/>
               </a:ext>
             </a:extLst>
           </p:cNvPr>
@@ -2395,7 +2399,7 @@
           <p:cNvPr id="5" name="Date Placeholder 4">
             <a:extLst>
               <a:ext uri="{FF2B5EF4-FFF2-40B4-BE49-F238E27FC236}">
-                <a16:creationId xmlns:a16="http://schemas.microsoft.com/office/drawing/2014/main" id="{685B3C22-3041-4503-8908-7FDBBD45EED2}"/>
+                <a16:creationId xmlns:a16="http://schemas.microsoft.com/office/drawing/2014/main" id="{169CAADA-16F2-4D77-BB7D-C29E0560562C}"/>
               </a:ext>
             </a:extLst>
           </p:cNvPr>
@@ -2411,9 +2415,9 @@
           <a:bodyPr/>
           <a:lstStyle/>
           <a:p>
-            <a:fld id="{EA070679-CD53-4DED-BC4C-336782002F99}" type="datetimeFigureOut">
+            <a:fld id="{C4C246C6-4E4C-4C05-BDCE-0E6379AA2A92}" type="datetimeFigureOut">
               <a:rPr lang="en-IN" smtClean="0"/>
-              <a:t>01-06-2018</a:t>
+              <a:t>04-06-2018</a:t>
             </a:fld>
             <a:endParaRPr lang="en-IN"/>
           </a:p>
@@ -2424,7 +2428,7 @@
           <p:cNvPr id="6" name="Footer Placeholder 5">
             <a:extLst>
               <a:ext uri="{FF2B5EF4-FFF2-40B4-BE49-F238E27FC236}">
-                <a16:creationId xmlns:a16="http://schemas.microsoft.com/office/drawing/2014/main" id="{E65D54F6-795B-410B-B1CD-FB95CD58D3E3}"/>
+                <a16:creationId xmlns:a16="http://schemas.microsoft.com/office/drawing/2014/main" id="{1F676093-02B0-419D-9EB4-55B480141EFB}"/>
               </a:ext>
             </a:extLst>
           </p:cNvPr>
@@ -2449,7 +2453,7 @@
           <p:cNvPr id="7" name="Slide Number Placeholder 6">
             <a:extLst>
               <a:ext uri="{FF2B5EF4-FFF2-40B4-BE49-F238E27FC236}">
-                <a16:creationId xmlns:a16="http://schemas.microsoft.com/office/drawing/2014/main" id="{01026FA7-C5A1-4076-A855-7078835FB4CE}"/>
+                <a16:creationId xmlns:a16="http://schemas.microsoft.com/office/drawing/2014/main" id="{4172E81F-5C7C-4DED-940C-B53C9D4A21FF}"/>
               </a:ext>
             </a:extLst>
           </p:cNvPr>
@@ -2465,7 +2469,7 @@
           <a:bodyPr/>
           <a:lstStyle/>
           <a:p>
-            <a:fld id="{90321A3F-69F6-4D7A-8BA5-E1ED41F9339E}" type="slidenum">
+            <a:fld id="{1FB1969A-0187-419D-8F9C-C20D08C08A1B}" type="slidenum">
               <a:rPr lang="en-IN" smtClean="0"/>
               <a:t>‹#›</a:t>
             </a:fld>
@@ -2476,7 +2480,7 @@
     </p:spTree>
     <p:extLst>
       <p:ext uri="{BB962C8B-B14F-4D97-AF65-F5344CB8AC3E}">
-        <p14:creationId xmlns:p14="http://schemas.microsoft.com/office/powerpoint/2010/main" val="3832545846"/>
+        <p14:creationId xmlns:p14="http://schemas.microsoft.com/office/powerpoint/2010/main" val="2774562042"/>
       </p:ext>
     </p:extLst>
   </p:cSld>
@@ -2508,7 +2512,7 @@
           <p:cNvPr id="2" name="Title 1">
             <a:extLst>
               <a:ext uri="{FF2B5EF4-FFF2-40B4-BE49-F238E27FC236}">
-                <a16:creationId xmlns:a16="http://schemas.microsoft.com/office/drawing/2014/main" id="{C009C85F-B8C0-44BA-B735-89C0776B6700}"/>
+                <a16:creationId xmlns:a16="http://schemas.microsoft.com/office/drawing/2014/main" id="{CAC9ABE7-E92D-477E-8201-2DE8AE378683}"/>
               </a:ext>
             </a:extLst>
           </p:cNvPr>
@@ -2546,7 +2550,7 @@
           <p:cNvPr id="3" name="Picture Placeholder 2">
             <a:extLst>
               <a:ext uri="{FF2B5EF4-FFF2-40B4-BE49-F238E27FC236}">
-                <a16:creationId xmlns:a16="http://schemas.microsoft.com/office/drawing/2014/main" id="{68C40E12-DA36-4501-8923-6CA8D802545E}"/>
+                <a16:creationId xmlns:a16="http://schemas.microsoft.com/office/drawing/2014/main" id="{832F5323-9FF9-4B8E-AAB1-2278B0D9C164}"/>
               </a:ext>
             </a:extLst>
           </p:cNvPr>
@@ -2613,7 +2617,7 @@
           <p:cNvPr id="4" name="Text Placeholder 3">
             <a:extLst>
               <a:ext uri="{FF2B5EF4-FFF2-40B4-BE49-F238E27FC236}">
-                <a16:creationId xmlns:a16="http://schemas.microsoft.com/office/drawing/2014/main" id="{7D2B0140-4516-46E9-A428-0564AC3F8FE9}"/>
+                <a16:creationId xmlns:a16="http://schemas.microsoft.com/office/drawing/2014/main" id="{C4B0118B-EAEA-443A-B052-3177BC518B16}"/>
               </a:ext>
             </a:extLst>
           </p:cNvPr>
@@ -2684,7 +2688,7 @@
           <p:cNvPr id="5" name="Date Placeholder 4">
             <a:extLst>
               <a:ext uri="{FF2B5EF4-FFF2-40B4-BE49-F238E27FC236}">
-                <a16:creationId xmlns:a16="http://schemas.microsoft.com/office/drawing/2014/main" id="{39BE8A4D-B8A7-4C5F-B512-AD532FBAEDCA}"/>
+                <a16:creationId xmlns:a16="http://schemas.microsoft.com/office/drawing/2014/main" id="{EEF940C5-5946-4333-8922-29352ACBF60E}"/>
               </a:ext>
             </a:extLst>
           </p:cNvPr>
@@ -2700,9 +2704,9 @@
           <a:bodyPr/>
           <a:lstStyle/>
           <a:p>
-            <a:fld id="{EA070679-CD53-4DED-BC4C-336782002F99}" type="datetimeFigureOut">
+            <a:fld id="{C4C246C6-4E4C-4C05-BDCE-0E6379AA2A92}" type="datetimeFigureOut">
               <a:rPr lang="en-IN" smtClean="0"/>
-              <a:t>01-06-2018</a:t>
+              <a:t>04-06-2018</a:t>
             </a:fld>
             <a:endParaRPr lang="en-IN"/>
           </a:p>
@@ -2713,7 +2717,7 @@
           <p:cNvPr id="6" name="Footer Placeholder 5">
             <a:extLst>
               <a:ext uri="{FF2B5EF4-FFF2-40B4-BE49-F238E27FC236}">
-                <a16:creationId xmlns:a16="http://schemas.microsoft.com/office/drawing/2014/main" id="{959228F3-3668-46D4-81DD-DE4B964BA605}"/>
+                <a16:creationId xmlns:a16="http://schemas.microsoft.com/office/drawing/2014/main" id="{64E1FCB6-39FD-4B7E-A143-03ED0A420017}"/>
               </a:ext>
             </a:extLst>
           </p:cNvPr>
@@ -2738,7 +2742,7 @@
           <p:cNvPr id="7" name="Slide Number Placeholder 6">
             <a:extLst>
               <a:ext uri="{FF2B5EF4-FFF2-40B4-BE49-F238E27FC236}">
-                <a16:creationId xmlns:a16="http://schemas.microsoft.com/office/drawing/2014/main" id="{23E04CB0-2D00-45DC-B482-B51F38B170A8}"/>
+                <a16:creationId xmlns:a16="http://schemas.microsoft.com/office/drawing/2014/main" id="{0693CE43-4DC5-41E5-9A15-C86401883830}"/>
               </a:ext>
             </a:extLst>
           </p:cNvPr>
@@ -2754,7 +2758,7 @@
           <a:bodyPr/>
           <a:lstStyle/>
           <a:p>
-            <a:fld id="{90321A3F-69F6-4D7A-8BA5-E1ED41F9339E}" type="slidenum">
+            <a:fld id="{1FB1969A-0187-419D-8F9C-C20D08C08A1B}" type="slidenum">
               <a:rPr lang="en-IN" smtClean="0"/>
               <a:t>‹#›</a:t>
             </a:fld>
@@ -2765,7 +2769,7 @@
     </p:spTree>
     <p:extLst>
       <p:ext uri="{BB962C8B-B14F-4D97-AF65-F5344CB8AC3E}">
-        <p14:creationId xmlns:p14="http://schemas.microsoft.com/office/powerpoint/2010/main" val="3462560259"/>
+        <p14:creationId xmlns:p14="http://schemas.microsoft.com/office/powerpoint/2010/main" val="1652562166"/>
       </p:ext>
     </p:extLst>
   </p:cSld>
@@ -2802,7 +2806,7 @@
           <p:cNvPr id="2" name="Title Placeholder 1">
             <a:extLst>
               <a:ext uri="{FF2B5EF4-FFF2-40B4-BE49-F238E27FC236}">
-                <a16:creationId xmlns:a16="http://schemas.microsoft.com/office/drawing/2014/main" id="{7727B0C7-4321-4C86-BDC2-A268D85547F4}"/>
+                <a16:creationId xmlns:a16="http://schemas.microsoft.com/office/drawing/2014/main" id="{4F920AF1-A8EB-44AC-8808-48658CEC726F}"/>
               </a:ext>
             </a:extLst>
           </p:cNvPr>
@@ -2841,7 +2845,7 @@
           <p:cNvPr id="3" name="Text Placeholder 2">
             <a:extLst>
               <a:ext uri="{FF2B5EF4-FFF2-40B4-BE49-F238E27FC236}">
-                <a16:creationId xmlns:a16="http://schemas.microsoft.com/office/drawing/2014/main" id="{6EED3654-1BEF-4363-BDF0-41A552171655}"/>
+                <a16:creationId xmlns:a16="http://schemas.microsoft.com/office/drawing/2014/main" id="{2A11DBF7-2A18-48BE-A017-16D493B5E457}"/>
               </a:ext>
             </a:extLst>
           </p:cNvPr>
@@ -2909,7 +2913,7 @@
           <p:cNvPr id="4" name="Date Placeholder 3">
             <a:extLst>
               <a:ext uri="{FF2B5EF4-FFF2-40B4-BE49-F238E27FC236}">
-                <a16:creationId xmlns:a16="http://schemas.microsoft.com/office/drawing/2014/main" id="{03240D36-978F-4B7E-91BE-FB65826312A5}"/>
+                <a16:creationId xmlns:a16="http://schemas.microsoft.com/office/drawing/2014/main" id="{F2FD5F1C-5003-459D-9216-3CE4A11E6728}"/>
               </a:ext>
             </a:extLst>
           </p:cNvPr>
@@ -2943,9 +2947,9 @@
             </a:lvl1pPr>
           </a:lstStyle>
           <a:p>
-            <a:fld id="{EA070679-CD53-4DED-BC4C-336782002F99}" type="datetimeFigureOut">
+            <a:fld id="{C4C246C6-4E4C-4C05-BDCE-0E6379AA2A92}" type="datetimeFigureOut">
               <a:rPr lang="en-IN" smtClean="0"/>
-              <a:t>01-06-2018</a:t>
+              <a:t>04-06-2018</a:t>
             </a:fld>
             <a:endParaRPr lang="en-IN"/>
           </a:p>
@@ -2956,7 +2960,7 @@
           <p:cNvPr id="5" name="Footer Placeholder 4">
             <a:extLst>
               <a:ext uri="{FF2B5EF4-FFF2-40B4-BE49-F238E27FC236}">
-                <a16:creationId xmlns:a16="http://schemas.microsoft.com/office/drawing/2014/main" id="{D370990F-0E96-4D64-AFC2-96A951A3CB2D}"/>
+                <a16:creationId xmlns:a16="http://schemas.microsoft.com/office/drawing/2014/main" id="{C11B8FA6-CA3A-45FE-87CE-D0A1C01B07C6}"/>
               </a:ext>
             </a:extLst>
           </p:cNvPr>
@@ -2999,7 +3003,7 @@
           <p:cNvPr id="6" name="Slide Number Placeholder 5">
             <a:extLst>
               <a:ext uri="{FF2B5EF4-FFF2-40B4-BE49-F238E27FC236}">
-                <a16:creationId xmlns:a16="http://schemas.microsoft.com/office/drawing/2014/main" id="{CD4D51ED-88FD-4DC1-AA10-E03D86096519}"/>
+                <a16:creationId xmlns:a16="http://schemas.microsoft.com/office/drawing/2014/main" id="{B2E779D5-701C-42D0-86B1-55ED4F2A881C}"/>
               </a:ext>
             </a:extLst>
           </p:cNvPr>
@@ -3033,7 +3037,7 @@
             </a:lvl1pPr>
           </a:lstStyle>
           <a:p>
-            <a:fld id="{90321A3F-69F6-4D7A-8BA5-E1ED41F9339E}" type="slidenum">
+            <a:fld id="{1FB1969A-0187-419D-8F9C-C20D08C08A1B}" type="slidenum">
               <a:rPr lang="en-IN" smtClean="0"/>
               <a:t>‹#›</a:t>
             </a:fld>
@@ -3044,7 +3048,7 @@
     </p:spTree>
     <p:extLst>
       <p:ext uri="{BB962C8B-B14F-4D97-AF65-F5344CB8AC3E}">
-        <p14:creationId xmlns:p14="http://schemas.microsoft.com/office/powerpoint/2010/main" val="3176739346"/>
+        <p14:creationId xmlns:p14="http://schemas.microsoft.com/office/powerpoint/2010/main" val="3524588455"/>
       </p:ext>
     </p:extLst>
   </p:cSld>
@@ -3364,57 +3368,54 @@
       </p:grpSpPr>
       <p:sp>
         <p:nvSpPr>
-          <p:cNvPr id="2" name="Title 1">
-            <a:extLst>
-              <a:ext uri="{FF2B5EF4-FFF2-40B4-BE49-F238E27FC236}">
-                <a16:creationId xmlns:a16="http://schemas.microsoft.com/office/drawing/2014/main" id="{516EB8AC-43BD-4567-B295-B311D9B48141}"/>
-              </a:ext>
-            </a:extLst>
-          </p:cNvPr>
-          <p:cNvSpPr>
-            <a:spLocks noGrp="1"/>
-          </p:cNvSpPr>
-          <p:nvPr>
-            <p:ph type="ctrTitle"/>
-          </p:nvPr>
-        </p:nvSpPr>
-        <p:spPr>
-          <a:xfrm>
-            <a:off x="1496009" y="2295325"/>
-            <a:ext cx="9144000" cy="1419905"/>
-          </a:xfrm>
-        </p:spPr>
-        <p:txBody>
-          <a:bodyPr>
-            <a:normAutofit/>
+          <p:cNvPr id="7" name="TextBox 6">
+            <a:extLst>
+              <a:ext uri="{FF2B5EF4-FFF2-40B4-BE49-F238E27FC236}">
+                <a16:creationId xmlns:a16="http://schemas.microsoft.com/office/drawing/2014/main" id="{CF8F37DC-DA91-4BB7-8A44-FB234DD93DD3}"/>
+              </a:ext>
+            </a:extLst>
+          </p:cNvPr>
+          <p:cNvSpPr txBox="1"/>
+          <p:nvPr/>
+        </p:nvSpPr>
+        <p:spPr>
+          <a:xfrm>
+            <a:off x="890056" y="2799027"/>
+            <a:ext cx="10105534" cy="1077218"/>
+          </a:xfrm>
+          <a:prstGeom prst="rect">
+            <a:avLst/>
+          </a:prstGeom>
+          <a:noFill/>
+        </p:spPr>
+        <p:txBody>
+          <a:bodyPr wrap="square" rtlCol="0">
+            <a:spAutoFit/>
           </a:bodyPr>
           <a:lstStyle/>
           <a:p>
-            <a:r>
-              <a:rPr lang="en-IN" sz="4000" dirty="0">
+            <a:pPr algn="ctr"/>
+            <a:r>
+              <a:rPr lang="en-IN" sz="3200" dirty="0">
                 <a:latin typeface="IBM Plex Mono" panose="020B0509050203000203" pitchFamily="49" charset="0"/>
+                <a:ea typeface="+mj-ea"/>
+                <a:cs typeface="+mj-cs"/>
               </a:rPr>
-              <a:t>Deployment/Creation of</a:t>
-            </a:r>
-            <a:br>
-              <a:rPr lang="en-IN" sz="4000" dirty="0">
-                <a:latin typeface="IBM Plex Mono" panose="020B0509050203000203" pitchFamily="49" charset="0"/>
-              </a:rPr>
-            </a:br>
-            <a:r>
-              <a:rPr lang="en-IN" sz="4000" dirty="0">
-                <a:latin typeface="IBM Plex Mono" panose="020B0509050203000203" pitchFamily="49" charset="0"/>
-              </a:rPr>
-              <a:t> </a:t>
-            </a:r>
-            <a:r>
-              <a:rPr lang="en-IN" sz="4000" dirty="0">
+              <a:t>Create an Microservice on Eclipse IDE </a:t>
+            </a:r>
+          </a:p>
+          <a:p>
+            <a:pPr algn="ctr"/>
+            <a:r>
+              <a:rPr lang="en-IN" sz="3200" dirty="0">
                 <a:solidFill>
                   <a:srgbClr val="92D050"/>
                 </a:solidFill>
-                <a:latin typeface="IBM Plex Mono Medium" panose="020B0609050203000203" pitchFamily="49" charset="0"/>
+                <a:latin typeface="IBM Plex Mono" panose="020B0509050203000203" pitchFamily="49" charset="0"/>
+                <a:ea typeface="+mj-ea"/>
+                <a:cs typeface="+mj-cs"/>
               </a:rPr>
-              <a:t>Fibonacci Microservice.</a:t>
+              <a:t>and deploy it on IBM Bluemix</a:t>
             </a:r>
           </a:p>
         </p:txBody>
@@ -3424,7 +3425,7 @@
           <p:cNvPr id="3" name="Rectangle 2">
             <a:extLst>
               <a:ext uri="{FF2B5EF4-FFF2-40B4-BE49-F238E27FC236}">
-                <a16:creationId xmlns:a16="http://schemas.microsoft.com/office/drawing/2014/main" id="{6029F1FE-A1C2-4F45-B3C1-7E36A1B2DE0F}"/>
+                <a16:creationId xmlns:a16="http://schemas.microsoft.com/office/drawing/2014/main" id="{B49E37A7-7BD9-48B4-B966-BCA90C2A5ECC}"/>
               </a:ext>
             </a:extLst>
           </p:cNvPr>
@@ -3433,8 +3434,8 @@
         </p:nvSpPr>
         <p:spPr>
           <a:xfrm>
-            <a:off x="2556588" y="2472218"/>
-            <a:ext cx="7147249" cy="1243012"/>
+            <a:off x="1315452" y="2716130"/>
+            <a:ext cx="9336505" cy="1243012"/>
           </a:xfrm>
           <a:prstGeom prst="rect">
             <a:avLst/>
@@ -3476,7 +3477,7 @@
           <p:cNvPr id="4" name="Title 1">
             <a:extLst>
               <a:ext uri="{FF2B5EF4-FFF2-40B4-BE49-F238E27FC236}">
-                <a16:creationId xmlns:a16="http://schemas.microsoft.com/office/drawing/2014/main" id="{FDA210F8-5760-49C9-AB0B-A1089B1DA543}"/>
+                <a16:creationId xmlns:a16="http://schemas.microsoft.com/office/drawing/2014/main" id="{2DAC49C1-8D6F-4284-933E-4D947CA5C2AB}"/>
               </a:ext>
             </a:extLst>
           </p:cNvPr>
@@ -3542,7 +3543,7 @@
     </p:spTree>
     <p:extLst>
       <p:ext uri="{BB962C8B-B14F-4D97-AF65-F5344CB8AC3E}">
-        <p14:creationId xmlns:p14="http://schemas.microsoft.com/office/powerpoint/2010/main" val="4165560992"/>
+        <p14:creationId xmlns:p14="http://schemas.microsoft.com/office/powerpoint/2010/main" val="2904998088"/>
       </p:ext>
     </p:extLst>
   </p:cSld>
@@ -3571,10 +3572,10 @@
       </p:grpSpPr>
       <p:pic>
         <p:nvPicPr>
-          <p:cNvPr id="5" name="Picture 4">
-            <a:extLst>
-              <a:ext uri="{FF2B5EF4-FFF2-40B4-BE49-F238E27FC236}">
-                <a16:creationId xmlns:a16="http://schemas.microsoft.com/office/drawing/2014/main" id="{4D3AD367-E4FD-41C3-A505-BB63CE89D389}"/>
+          <p:cNvPr id="3" name="Picture 2">
+            <a:extLst>
+              <a:ext uri="{FF2B5EF4-FFF2-40B4-BE49-F238E27FC236}">
+                <a16:creationId xmlns:a16="http://schemas.microsoft.com/office/drawing/2014/main" id="{5B13B37D-3D73-4641-B44A-59F82703CF67}"/>
               </a:ext>
             </a:extLst>
           </p:cNvPr>
@@ -3591,13 +3592,13 @@
               </a:ext>
             </a:extLst>
           </a:blip>
-          <a:srcRect t="11021" r="1199" b="28979"/>
+          <a:srcRect b="4770"/>
           <a:stretch/>
         </p:blipFill>
         <p:spPr>
           <a:xfrm>
-            <a:off x="74648" y="2677886"/>
-            <a:ext cx="12045820" cy="4114800"/>
+            <a:off x="277837" y="497710"/>
+            <a:ext cx="11636324" cy="6233226"/>
           </a:xfrm>
           <a:prstGeom prst="rect">
             <a:avLst/>
@@ -3606,60 +3607,52 @@
       </p:pic>
       <p:sp>
         <p:nvSpPr>
-          <p:cNvPr id="6" name="Arrow: Down 5">
-            <a:extLst>
-              <a:ext uri="{FF2B5EF4-FFF2-40B4-BE49-F238E27FC236}">
-                <a16:creationId xmlns:a16="http://schemas.microsoft.com/office/drawing/2014/main" id="{B5F3DB52-2DBC-4095-A70F-A10842FE63A6}"/>
-              </a:ext>
-            </a:extLst>
-          </p:cNvPr>
-          <p:cNvSpPr/>
+          <p:cNvPr id="5" name="TextBox 4">
+            <a:extLst>
+              <a:ext uri="{FF2B5EF4-FFF2-40B4-BE49-F238E27FC236}">
+                <a16:creationId xmlns:a16="http://schemas.microsoft.com/office/drawing/2014/main" id="{EED72D31-E76D-474F-B0F1-E010D2572904}"/>
+              </a:ext>
+            </a:extLst>
+          </p:cNvPr>
+          <p:cNvSpPr txBox="1"/>
           <p:nvPr/>
         </p:nvSpPr>
         <p:spPr>
-          <a:xfrm rot="16200000">
-            <a:off x="1545773" y="6044373"/>
-            <a:ext cx="279918" cy="503853"/>
-          </a:xfrm>
-          <a:prstGeom prst="downArrow">
+          <a:xfrm>
+            <a:off x="0" y="0"/>
+            <a:ext cx="12191999" cy="338554"/>
+          </a:xfrm>
+          <a:prstGeom prst="rect">
             <a:avLst/>
           </a:prstGeom>
           <a:solidFill>
             <a:srgbClr val="92D050"/>
           </a:solidFill>
-          <a:ln>
-            <a:noFill/>
-          </a:ln>
-        </p:spPr>
-        <p:style>
-          <a:lnRef idx="2">
-            <a:schemeClr val="accent1">
-              <a:shade val="50000"/>
-            </a:schemeClr>
-          </a:lnRef>
-          <a:fillRef idx="1">
-            <a:schemeClr val="accent1"/>
-          </a:fillRef>
-          <a:effectRef idx="0">
-            <a:schemeClr val="accent1"/>
-          </a:effectRef>
-          <a:fontRef idx="minor">
-            <a:schemeClr val="lt1"/>
-          </a:fontRef>
-        </p:style>
-        <p:txBody>
-          <a:bodyPr rtlCol="0" anchor="ctr"/>
+        </p:spPr>
+        <p:txBody>
+          <a:bodyPr wrap="square" rtlCol="0">
+            <a:spAutoFit/>
+          </a:bodyPr>
           <a:lstStyle/>
           <a:p>
             <a:pPr algn="ctr"/>
-            <a:endParaRPr lang="en-IN"/>
+            <a:r>
+              <a:rPr lang="en-IN" sz="1600" dirty="0">
+                <a:solidFill>
+                  <a:schemeClr val="bg1"/>
+                </a:solidFill>
+                <a:latin typeface="IBM Plex Mono" panose="020B0509050203000203" pitchFamily="49" charset="0"/>
+                <a:cs typeface="Arial" panose="020B0604020202020204" pitchFamily="34" charset="0"/>
+              </a:rPr>
+              <a:t>Step 10: Create a new server i.e. IBM Bluemix</a:t>
+            </a:r>
           </a:p>
         </p:txBody>
       </p:sp>
     </p:spTree>
     <p:extLst>
       <p:ext uri="{BB962C8B-B14F-4D97-AF65-F5344CB8AC3E}">
-        <p14:creationId xmlns:p14="http://schemas.microsoft.com/office/powerpoint/2010/main" val="2399809025"/>
+        <p14:creationId xmlns:p14="http://schemas.microsoft.com/office/powerpoint/2010/main" val="2462915951"/>
       </p:ext>
     </p:extLst>
   </p:cSld>
@@ -3688,10 +3681,10 @@
       </p:grpSpPr>
       <p:pic>
         <p:nvPicPr>
-          <p:cNvPr id="5" name="Picture 4">
-            <a:extLst>
-              <a:ext uri="{FF2B5EF4-FFF2-40B4-BE49-F238E27FC236}">
-                <a16:creationId xmlns:a16="http://schemas.microsoft.com/office/drawing/2014/main" id="{2E157791-94C1-4AC1-944F-5BB5EFE5DC4A}"/>
+          <p:cNvPr id="3" name="Picture 2">
+            <a:extLst>
+              <a:ext uri="{FF2B5EF4-FFF2-40B4-BE49-F238E27FC236}">
+                <a16:creationId xmlns:a16="http://schemas.microsoft.com/office/drawing/2014/main" id="{BCEA8D81-73E2-4B60-988A-C73495E119B5}"/>
               </a:ext>
             </a:extLst>
           </p:cNvPr>
@@ -3708,13 +3701,13 @@
               </a:ext>
             </a:extLst>
           </a:blip>
-          <a:srcRect l="612" t="10747" r="1429" b="5442"/>
+          <a:srcRect b="4724"/>
           <a:stretch/>
         </p:blipFill>
         <p:spPr>
           <a:xfrm>
-            <a:off x="130629" y="961376"/>
-            <a:ext cx="11943184" cy="5747658"/>
+            <a:off x="295025" y="542799"/>
+            <a:ext cx="11601948" cy="6217784"/>
           </a:xfrm>
           <a:prstGeom prst="rect">
             <a:avLst/>
@@ -3723,60 +3716,52 @@
       </p:pic>
       <p:sp>
         <p:nvSpPr>
-          <p:cNvPr id="6" name="Arrow: Down 5">
-            <a:extLst>
-              <a:ext uri="{FF2B5EF4-FFF2-40B4-BE49-F238E27FC236}">
-                <a16:creationId xmlns:a16="http://schemas.microsoft.com/office/drawing/2014/main" id="{E5DB0873-E346-47AD-BB80-1239004B5E9B}"/>
-              </a:ext>
-            </a:extLst>
-          </p:cNvPr>
-          <p:cNvSpPr/>
+          <p:cNvPr id="5" name="TextBox 4">
+            <a:extLst>
+              <a:ext uri="{FF2B5EF4-FFF2-40B4-BE49-F238E27FC236}">
+                <a16:creationId xmlns:a16="http://schemas.microsoft.com/office/drawing/2014/main" id="{42493478-9A57-424C-B138-FD455BB8BAFA}"/>
+              </a:ext>
+            </a:extLst>
+          </p:cNvPr>
+          <p:cNvSpPr txBox="1"/>
           <p:nvPr/>
         </p:nvSpPr>
         <p:spPr>
           <a:xfrm>
-            <a:off x="4452085" y="1205066"/>
-            <a:ext cx="279918" cy="503853"/>
-          </a:xfrm>
-          <a:prstGeom prst="downArrow">
+            <a:off x="0" y="0"/>
+            <a:ext cx="12191999" cy="338554"/>
+          </a:xfrm>
+          <a:prstGeom prst="rect">
             <a:avLst/>
           </a:prstGeom>
           <a:solidFill>
             <a:srgbClr val="92D050"/>
           </a:solidFill>
-          <a:ln>
-            <a:noFill/>
-          </a:ln>
-        </p:spPr>
-        <p:style>
-          <a:lnRef idx="2">
-            <a:schemeClr val="accent1">
-              <a:shade val="50000"/>
-            </a:schemeClr>
-          </a:lnRef>
-          <a:fillRef idx="1">
-            <a:schemeClr val="accent1"/>
-          </a:fillRef>
-          <a:effectRef idx="0">
-            <a:schemeClr val="accent1"/>
-          </a:effectRef>
-          <a:fontRef idx="minor">
-            <a:schemeClr val="lt1"/>
-          </a:fontRef>
-        </p:style>
-        <p:txBody>
-          <a:bodyPr rtlCol="0" anchor="ctr"/>
+        </p:spPr>
+        <p:txBody>
+          <a:bodyPr wrap="square" rtlCol="0">
+            <a:spAutoFit/>
+          </a:bodyPr>
           <a:lstStyle/>
           <a:p>
             <a:pPr algn="ctr"/>
-            <a:endParaRPr lang="en-IN"/>
+            <a:r>
+              <a:rPr lang="en-IN" sz="1600" dirty="0">
+                <a:solidFill>
+                  <a:schemeClr val="bg1"/>
+                </a:solidFill>
+                <a:latin typeface="IBM Plex Mono" panose="020B0509050203000203" pitchFamily="49" charset="0"/>
+                <a:cs typeface="Arial" panose="020B0604020202020204" pitchFamily="34" charset="0"/>
+              </a:rPr>
+              <a:t>Step 11: Select IBM Bluemix as server.</a:t>
+            </a:r>
           </a:p>
         </p:txBody>
       </p:sp>
     </p:spTree>
     <p:extLst>
       <p:ext uri="{BB962C8B-B14F-4D97-AF65-F5344CB8AC3E}">
-        <p14:creationId xmlns:p14="http://schemas.microsoft.com/office/powerpoint/2010/main" val="2784822642"/>
+        <p14:creationId xmlns:p14="http://schemas.microsoft.com/office/powerpoint/2010/main" val="2878689233"/>
       </p:ext>
     </p:extLst>
   </p:cSld>
@@ -3805,10 +3790,10 @@
       </p:grpSpPr>
       <p:pic>
         <p:nvPicPr>
-          <p:cNvPr id="5" name="Picture 4">
-            <a:extLst>
-              <a:ext uri="{FF2B5EF4-FFF2-40B4-BE49-F238E27FC236}">
-                <a16:creationId xmlns:a16="http://schemas.microsoft.com/office/drawing/2014/main" id="{E0CE19A1-CFFC-41DB-A0B7-C5060B97E851}"/>
+          <p:cNvPr id="3" name="Picture 2">
+            <a:extLst>
+              <a:ext uri="{FF2B5EF4-FFF2-40B4-BE49-F238E27FC236}">
+                <a16:creationId xmlns:a16="http://schemas.microsoft.com/office/drawing/2014/main" id="{4457106A-DB34-4E59-930A-58827787A882}"/>
               </a:ext>
             </a:extLst>
           </p:cNvPr>
@@ -3825,25 +3810,99 @@
               </a:ext>
             </a:extLst>
           </a:blip>
-          <a:srcRect t="11292" r="2576" b="53061"/>
+          <a:srcRect b="4795"/>
           <a:stretch/>
         </p:blipFill>
         <p:spPr>
           <a:xfrm>
-            <a:off x="157063" y="1166328"/>
-            <a:ext cx="11877869" cy="2444620"/>
+            <a:off x="261486" y="509286"/>
+            <a:ext cx="11669026" cy="6249074"/>
           </a:xfrm>
           <a:prstGeom prst="rect">
             <a:avLst/>
           </a:prstGeom>
         </p:spPr>
       </p:pic>
+      <p:sp>
+        <p:nvSpPr>
+          <p:cNvPr id="5" name="TextBox 4">
+            <a:extLst>
+              <a:ext uri="{FF2B5EF4-FFF2-40B4-BE49-F238E27FC236}">
+                <a16:creationId xmlns:a16="http://schemas.microsoft.com/office/drawing/2014/main" id="{32061CDC-53A7-4F70-8E41-70C09B2628AD}"/>
+              </a:ext>
+            </a:extLst>
+          </p:cNvPr>
+          <p:cNvSpPr txBox="1"/>
+          <p:nvPr/>
+        </p:nvSpPr>
+        <p:spPr>
+          <a:xfrm>
+            <a:off x="0" y="0"/>
+            <a:ext cx="12191999" cy="338554"/>
+          </a:xfrm>
+          <a:prstGeom prst="rect">
+            <a:avLst/>
+          </a:prstGeom>
+          <a:solidFill>
+            <a:srgbClr val="92D050"/>
+          </a:solidFill>
+        </p:spPr>
+        <p:txBody>
+          <a:bodyPr wrap="square" rtlCol="0">
+            <a:spAutoFit/>
+          </a:bodyPr>
+          <a:lstStyle/>
+          <a:p>
+            <a:pPr algn="ctr"/>
+            <a:r>
+              <a:rPr lang="en-IN" sz="1600" dirty="0">
+                <a:solidFill>
+                  <a:schemeClr val="bg1"/>
+                </a:solidFill>
+                <a:latin typeface="IBM Plex Mono" panose="020B0509050203000203" pitchFamily="49" charset="0"/>
+                <a:cs typeface="Arial" panose="020B0604020202020204" pitchFamily="34" charset="0"/>
+              </a:rPr>
+              <a:t>Step 12: Enter IBM Bluemix Account credentials.</a:t>
+            </a:r>
+          </a:p>
+        </p:txBody>
+      </p:sp>
+    </p:spTree>
+    <p:extLst>
+      <p:ext uri="{BB962C8B-B14F-4D97-AF65-F5344CB8AC3E}">
+        <p14:creationId xmlns:p14="http://schemas.microsoft.com/office/powerpoint/2010/main" val="812507471"/>
+      </p:ext>
+    </p:extLst>
+  </p:cSld>
+  <p:clrMapOvr>
+    <a:masterClrMapping/>
+  </p:clrMapOvr>
+</p:sld>
+</file>
+
+<file path=ppt/slides/slide13.xml><?xml version="1.0" encoding="utf-8"?>
+<p:sld xmlns:a="http://schemas.openxmlformats.org/drawingml/2006/main" xmlns:r="http://schemas.openxmlformats.org/officeDocument/2006/relationships" xmlns:p="http://schemas.openxmlformats.org/presentationml/2006/main">
+  <p:cSld>
+    <p:spTree>
+      <p:nvGrpSpPr>
+        <p:cNvPr id="1" name=""/>
+        <p:cNvGrpSpPr/>
+        <p:nvPr/>
+      </p:nvGrpSpPr>
+      <p:grpSpPr>
+        <a:xfrm>
+          <a:off x="0" y="0"/>
+          <a:ext cx="0" cy="0"/>
+          <a:chOff x="0" y="0"/>
+          <a:chExt cx="0" cy="0"/>
+        </a:xfrm>
+      </p:grpSpPr>
       <p:pic>
         <p:nvPicPr>
-          <p:cNvPr id="7" name="Picture 6">
-            <a:extLst>
-              <a:ext uri="{FF2B5EF4-FFF2-40B4-BE49-F238E27FC236}">
-                <a16:creationId xmlns:a16="http://schemas.microsoft.com/office/drawing/2014/main" id="{7291C084-E6A6-4DAA-9431-CA1A653D9886}"/>
+          <p:cNvPr id="3" name="Picture 2">
+            <a:extLst>
+              <a:ext uri="{FF2B5EF4-FFF2-40B4-BE49-F238E27FC236}">
+                <a16:creationId xmlns:a16="http://schemas.microsoft.com/office/drawing/2014/main" id="{B8C8C228-0CE6-4216-A970-3F068E3F03B3}"/>
               </a:ext>
             </a:extLst>
           </p:cNvPr>
@@ -3853,30 +3912,492 @@
           <p:nvPr/>
         </p:nvPicPr>
         <p:blipFill rotWithShape="1">
-          <a:blip r:embed="rId3">
+          <a:blip r:embed="rId2">
             <a:extLst>
               <a:ext uri="{28A0092B-C50C-407E-A947-70E740481C1C}">
                 <a14:useLocalDpi xmlns:a14="http://schemas.microsoft.com/office/drawing/2010/main" val="0"/>
               </a:ext>
             </a:extLst>
           </a:blip>
-          <a:srcRect t="10612" r="2577" b="46530"/>
+          <a:srcRect b="4858"/>
           <a:stretch/>
         </p:blipFill>
         <p:spPr>
           <a:xfrm>
-            <a:off x="157064" y="3741576"/>
-            <a:ext cx="11877869" cy="2939143"/>
+            <a:off x="147276" y="459321"/>
+            <a:ext cx="11804846" cy="6317654"/>
           </a:xfrm>
           <a:prstGeom prst="rect">
             <a:avLst/>
           </a:prstGeom>
         </p:spPr>
       </p:pic>
+      <p:sp>
+        <p:nvSpPr>
+          <p:cNvPr id="5" name="TextBox 4">
+            <a:extLst>
+              <a:ext uri="{FF2B5EF4-FFF2-40B4-BE49-F238E27FC236}">
+                <a16:creationId xmlns:a16="http://schemas.microsoft.com/office/drawing/2014/main" id="{B5C76EE4-5A37-45E0-A48A-78FD662B4351}"/>
+              </a:ext>
+            </a:extLst>
+          </p:cNvPr>
+          <p:cNvSpPr txBox="1"/>
+          <p:nvPr/>
+        </p:nvSpPr>
+        <p:spPr>
+          <a:xfrm>
+            <a:off x="0" y="0"/>
+            <a:ext cx="12191999" cy="338554"/>
+          </a:xfrm>
+          <a:prstGeom prst="rect">
+            <a:avLst/>
+          </a:prstGeom>
+          <a:solidFill>
+            <a:srgbClr val="92D050"/>
+          </a:solidFill>
+        </p:spPr>
+        <p:txBody>
+          <a:bodyPr wrap="square" rtlCol="0">
+            <a:spAutoFit/>
+          </a:bodyPr>
+          <a:lstStyle/>
+          <a:p>
+            <a:pPr algn="ctr"/>
+            <a:r>
+              <a:rPr lang="en-IN" sz="1600" dirty="0">
+                <a:solidFill>
+                  <a:schemeClr val="bg1"/>
+                </a:solidFill>
+                <a:latin typeface="IBM Plex Mono" panose="020B0509050203000203" pitchFamily="49" charset="0"/>
+                <a:cs typeface="Arial" panose="020B0604020202020204" pitchFamily="34" charset="0"/>
+              </a:rPr>
+              <a:t>Step 13: Right click on application them select Run as- Run on server.</a:t>
+            </a:r>
+          </a:p>
+        </p:txBody>
+      </p:sp>
     </p:spTree>
     <p:extLst>
       <p:ext uri="{BB962C8B-B14F-4D97-AF65-F5344CB8AC3E}">
-        <p14:creationId xmlns:p14="http://schemas.microsoft.com/office/powerpoint/2010/main" val="3321349460"/>
+        <p14:creationId xmlns:p14="http://schemas.microsoft.com/office/powerpoint/2010/main" val="4267482908"/>
+      </p:ext>
+    </p:extLst>
+  </p:cSld>
+  <p:clrMapOvr>
+    <a:masterClrMapping/>
+  </p:clrMapOvr>
+</p:sld>
+</file>
+
+<file path=ppt/slides/slide14.xml><?xml version="1.0" encoding="utf-8"?>
+<p:sld xmlns:a="http://schemas.openxmlformats.org/drawingml/2006/main" xmlns:r="http://schemas.openxmlformats.org/officeDocument/2006/relationships" xmlns:p="http://schemas.openxmlformats.org/presentationml/2006/main">
+  <p:cSld>
+    <p:spTree>
+      <p:nvGrpSpPr>
+        <p:cNvPr id="1" name=""/>
+        <p:cNvGrpSpPr/>
+        <p:nvPr/>
+      </p:nvGrpSpPr>
+      <p:grpSpPr>
+        <a:xfrm>
+          <a:off x="0" y="0"/>
+          <a:ext cx="0" cy="0"/>
+          <a:chOff x="0" y="0"/>
+          <a:chExt cx="0" cy="0"/>
+        </a:xfrm>
+      </p:grpSpPr>
+      <p:sp>
+        <p:nvSpPr>
+          <p:cNvPr id="8" name="Rectangle 7">
+            <a:extLst>
+              <a:ext uri="{FF2B5EF4-FFF2-40B4-BE49-F238E27FC236}">
+                <a16:creationId xmlns:a16="http://schemas.microsoft.com/office/drawing/2014/main" id="{524476C0-9F94-40F6-AB8D-BF00D797025D}"/>
+              </a:ext>
+            </a:extLst>
+          </p:cNvPr>
+          <p:cNvSpPr/>
+          <p:nvPr/>
+        </p:nvSpPr>
+        <p:spPr>
+          <a:xfrm>
+            <a:off x="3026003" y="3431358"/>
+            <a:ext cx="7088957" cy="273376"/>
+          </a:xfrm>
+          <a:prstGeom prst="rect">
+            <a:avLst/>
+          </a:prstGeom>
+        </p:spPr>
+        <p:style>
+          <a:lnRef idx="2">
+            <a:schemeClr val="accent1">
+              <a:shade val="50000"/>
+            </a:schemeClr>
+          </a:lnRef>
+          <a:fillRef idx="1">
+            <a:schemeClr val="accent1"/>
+          </a:fillRef>
+          <a:effectRef idx="0">
+            <a:schemeClr val="accent1"/>
+          </a:effectRef>
+          <a:fontRef idx="minor">
+            <a:schemeClr val="lt1"/>
+          </a:fontRef>
+        </p:style>
+        <p:txBody>
+          <a:bodyPr rtlCol="0" anchor="ctr"/>
+          <a:lstStyle/>
+          <a:p>
+            <a:pPr algn="ctr"/>
+            <a:endParaRPr lang="en-IN"/>
+          </a:p>
+        </p:txBody>
+      </p:sp>
+      <p:sp>
+        <p:nvSpPr>
+          <p:cNvPr id="7" name="Flowchart: Process 6">
+            <a:extLst>
+              <a:ext uri="{FF2B5EF4-FFF2-40B4-BE49-F238E27FC236}">
+                <a16:creationId xmlns:a16="http://schemas.microsoft.com/office/drawing/2014/main" id="{81349446-3896-4E79-A877-F84A69C913F5}"/>
+              </a:ext>
+            </a:extLst>
+          </p:cNvPr>
+          <p:cNvSpPr/>
+          <p:nvPr/>
+        </p:nvSpPr>
+        <p:spPr>
+          <a:xfrm>
+            <a:off x="3026003" y="3431358"/>
+            <a:ext cx="7088957" cy="273376"/>
+          </a:xfrm>
+          <a:prstGeom prst="flowChartProcess">
+            <a:avLst/>
+          </a:prstGeom>
+        </p:spPr>
+        <p:style>
+          <a:lnRef idx="2">
+            <a:schemeClr val="accent5"/>
+          </a:lnRef>
+          <a:fillRef idx="1">
+            <a:schemeClr val="lt1"/>
+          </a:fillRef>
+          <a:effectRef idx="0">
+            <a:schemeClr val="accent5"/>
+          </a:effectRef>
+          <a:fontRef idx="minor">
+            <a:schemeClr val="dk1"/>
+          </a:fontRef>
+        </p:style>
+        <p:txBody>
+          <a:bodyPr rtlCol="0" anchor="ctr"/>
+          <a:lstStyle/>
+          <a:p>
+            <a:pPr algn="ctr"/>
+            <a:endParaRPr lang="en-IN"/>
+          </a:p>
+        </p:txBody>
+      </p:sp>
+      <p:pic>
+        <p:nvPicPr>
+          <p:cNvPr id="3" name="Picture 2">
+            <a:extLst>
+              <a:ext uri="{FF2B5EF4-FFF2-40B4-BE49-F238E27FC236}">
+                <a16:creationId xmlns:a16="http://schemas.microsoft.com/office/drawing/2014/main" id="{75B6A47D-9811-4DA2-AA0E-C741D59DEAF8}"/>
+              </a:ext>
+            </a:extLst>
+          </p:cNvPr>
+          <p:cNvPicPr>
+            <a:picLocks noChangeAspect="1"/>
+          </p:cNvPicPr>
+          <p:nvPr/>
+        </p:nvPicPr>
+        <p:blipFill rotWithShape="1">
+          <a:blip r:embed="rId2">
+            <a:extLst>
+              <a:ext uri="{28A0092B-C50C-407E-A947-70E740481C1C}">
+                <a14:useLocalDpi xmlns:a14="http://schemas.microsoft.com/office/drawing/2010/main" val="0"/>
+              </a:ext>
+            </a:extLst>
+          </a:blip>
+          <a:srcRect t="10756" r="1166" b="5195"/>
+          <a:stretch/>
+        </p:blipFill>
+        <p:spPr>
+          <a:xfrm>
+            <a:off x="114610" y="1018573"/>
+            <a:ext cx="11929086" cy="5706316"/>
+          </a:xfrm>
+          <a:prstGeom prst="rect">
+            <a:avLst/>
+          </a:prstGeom>
+        </p:spPr>
+      </p:pic>
+      <p:sp>
+        <p:nvSpPr>
+          <p:cNvPr id="11" name="TextBox 10">
+            <a:extLst>
+              <a:ext uri="{FF2B5EF4-FFF2-40B4-BE49-F238E27FC236}">
+                <a16:creationId xmlns:a16="http://schemas.microsoft.com/office/drawing/2014/main" id="{9630340A-B227-4460-A0B8-F57A84701DDB}"/>
+              </a:ext>
+            </a:extLst>
+          </p:cNvPr>
+          <p:cNvSpPr txBox="1"/>
+          <p:nvPr/>
+        </p:nvSpPr>
+        <p:spPr>
+          <a:xfrm>
+            <a:off x="0" y="0"/>
+            <a:ext cx="12191999" cy="338554"/>
+          </a:xfrm>
+          <a:prstGeom prst="rect">
+            <a:avLst/>
+          </a:prstGeom>
+          <a:solidFill>
+            <a:srgbClr val="92D050"/>
+          </a:solidFill>
+        </p:spPr>
+        <p:txBody>
+          <a:bodyPr wrap="square" rtlCol="0">
+            <a:spAutoFit/>
+          </a:bodyPr>
+          <a:lstStyle/>
+          <a:p>
+            <a:pPr algn="ctr"/>
+            <a:r>
+              <a:rPr lang="en-IN" sz="1600" dirty="0">
+                <a:solidFill>
+                  <a:schemeClr val="bg1"/>
+                </a:solidFill>
+                <a:latin typeface="IBM Plex Mono" panose="020B0509050203000203" pitchFamily="49" charset="0"/>
+                <a:cs typeface="Arial" panose="020B0604020202020204" pitchFamily="34" charset="0"/>
+              </a:rPr>
+              <a:t> Application is created in IBM Cloud Foundry Applications</a:t>
+            </a:r>
+          </a:p>
+        </p:txBody>
+      </p:sp>
+    </p:spTree>
+    <p:extLst>
+      <p:ext uri="{BB962C8B-B14F-4D97-AF65-F5344CB8AC3E}">
+        <p14:creationId xmlns:p14="http://schemas.microsoft.com/office/powerpoint/2010/main" val="4236446757"/>
+      </p:ext>
+    </p:extLst>
+  </p:cSld>
+  <p:clrMapOvr>
+    <a:masterClrMapping/>
+  </p:clrMapOvr>
+</p:sld>
+</file>
+
+<file path=ppt/slides/slide15.xml><?xml version="1.0" encoding="utf-8"?>
+<p:sld xmlns:a="http://schemas.openxmlformats.org/drawingml/2006/main" xmlns:r="http://schemas.openxmlformats.org/officeDocument/2006/relationships" xmlns:p="http://schemas.openxmlformats.org/presentationml/2006/main">
+  <p:cSld>
+    <p:spTree>
+      <p:nvGrpSpPr>
+        <p:cNvPr id="1" name=""/>
+        <p:cNvGrpSpPr/>
+        <p:nvPr/>
+      </p:nvGrpSpPr>
+      <p:grpSpPr>
+        <a:xfrm>
+          <a:off x="0" y="0"/>
+          <a:ext cx="0" cy="0"/>
+          <a:chOff x="0" y="0"/>
+          <a:chExt cx="0" cy="0"/>
+        </a:xfrm>
+      </p:grpSpPr>
+      <p:pic>
+        <p:nvPicPr>
+          <p:cNvPr id="3" name="Picture 2">
+            <a:extLst>
+              <a:ext uri="{FF2B5EF4-FFF2-40B4-BE49-F238E27FC236}">
+                <a16:creationId xmlns:a16="http://schemas.microsoft.com/office/drawing/2014/main" id="{0FFBDCF7-B21E-4A15-9997-A0F61423AE95}"/>
+              </a:ext>
+            </a:extLst>
+          </p:cNvPr>
+          <p:cNvPicPr>
+            <a:picLocks noChangeAspect="1"/>
+          </p:cNvPicPr>
+          <p:nvPr/>
+        </p:nvPicPr>
+        <p:blipFill rotWithShape="1">
+          <a:blip r:embed="rId2">
+            <a:extLst>
+              <a:ext uri="{28A0092B-C50C-407E-A947-70E740481C1C}">
+                <a14:useLocalDpi xmlns:a14="http://schemas.microsoft.com/office/drawing/2010/main" val="0"/>
+              </a:ext>
+            </a:extLst>
+          </a:blip>
+          <a:srcRect t="10836" r="1336" b="5283"/>
+          <a:stretch/>
+        </p:blipFill>
+        <p:spPr>
+          <a:xfrm>
+            <a:off x="163073" y="1063410"/>
+            <a:ext cx="11865852" cy="5674518"/>
+          </a:xfrm>
+          <a:prstGeom prst="rect">
+            <a:avLst/>
+          </a:prstGeom>
+        </p:spPr>
+      </p:pic>
+      <p:sp>
+        <p:nvSpPr>
+          <p:cNvPr id="5" name="TextBox 4">
+            <a:extLst>
+              <a:ext uri="{FF2B5EF4-FFF2-40B4-BE49-F238E27FC236}">
+                <a16:creationId xmlns:a16="http://schemas.microsoft.com/office/drawing/2014/main" id="{3652897D-AD02-435E-AED3-CE4D9DBCBABA}"/>
+              </a:ext>
+            </a:extLst>
+          </p:cNvPr>
+          <p:cNvSpPr txBox="1"/>
+          <p:nvPr/>
+        </p:nvSpPr>
+        <p:spPr>
+          <a:xfrm>
+            <a:off x="0" y="0"/>
+            <a:ext cx="12191999" cy="338554"/>
+          </a:xfrm>
+          <a:prstGeom prst="rect">
+            <a:avLst/>
+          </a:prstGeom>
+          <a:solidFill>
+            <a:srgbClr val="92D050"/>
+          </a:solidFill>
+        </p:spPr>
+        <p:txBody>
+          <a:bodyPr wrap="square" rtlCol="0">
+            <a:spAutoFit/>
+          </a:bodyPr>
+          <a:lstStyle/>
+          <a:p>
+            <a:pPr algn="ctr"/>
+            <a:r>
+              <a:rPr lang="en-IN" sz="1600" dirty="0">
+                <a:solidFill>
+                  <a:schemeClr val="bg1"/>
+                </a:solidFill>
+                <a:latin typeface="IBM Plex Mono" panose="020B0509050203000203" pitchFamily="49" charset="0"/>
+                <a:cs typeface="Arial" panose="020B0604020202020204" pitchFamily="34" charset="0"/>
+              </a:rPr>
+              <a:t> Application is running on the IBM Bluemix server.</a:t>
+            </a:r>
+          </a:p>
+        </p:txBody>
+      </p:sp>
+    </p:spTree>
+    <p:extLst>
+      <p:ext uri="{BB962C8B-B14F-4D97-AF65-F5344CB8AC3E}">
+        <p14:creationId xmlns:p14="http://schemas.microsoft.com/office/powerpoint/2010/main" val="2173417366"/>
+      </p:ext>
+    </p:extLst>
+  </p:cSld>
+  <p:clrMapOvr>
+    <a:masterClrMapping/>
+  </p:clrMapOvr>
+</p:sld>
+</file>
+
+<file path=ppt/slides/slide16.xml><?xml version="1.0" encoding="utf-8"?>
+<p:sld xmlns:a="http://schemas.openxmlformats.org/drawingml/2006/main" xmlns:r="http://schemas.openxmlformats.org/officeDocument/2006/relationships" xmlns:p="http://schemas.openxmlformats.org/presentationml/2006/main">
+  <p:cSld>
+    <p:spTree>
+      <p:nvGrpSpPr>
+        <p:cNvPr id="1" name=""/>
+        <p:cNvGrpSpPr/>
+        <p:nvPr/>
+      </p:nvGrpSpPr>
+      <p:grpSpPr>
+        <a:xfrm>
+          <a:off x="0" y="0"/>
+          <a:ext cx="0" cy="0"/>
+          <a:chOff x="0" y="0"/>
+          <a:chExt cx="0" cy="0"/>
+        </a:xfrm>
+      </p:grpSpPr>
+      <p:pic>
+        <p:nvPicPr>
+          <p:cNvPr id="5" name="Picture 4">
+            <a:extLst>
+              <a:ext uri="{FF2B5EF4-FFF2-40B4-BE49-F238E27FC236}">
+                <a16:creationId xmlns:a16="http://schemas.microsoft.com/office/drawing/2014/main" id="{A53D5DAD-DF22-45AE-A17A-2CFC81824FBA}"/>
+              </a:ext>
+            </a:extLst>
+          </p:cNvPr>
+          <p:cNvPicPr>
+            <a:picLocks noChangeAspect="1"/>
+          </p:cNvPicPr>
+          <p:nvPr/>
+        </p:nvPicPr>
+        <p:blipFill>
+          <a:blip r:embed="rId2">
+            <a:extLst>
+              <a:ext uri="{28A0092B-C50C-407E-A947-70E740481C1C}">
+                <a14:useLocalDpi xmlns:a14="http://schemas.microsoft.com/office/drawing/2010/main" val="0"/>
+              </a:ext>
+            </a:extLst>
+          </a:blip>
+          <a:stretch>
+            <a:fillRect/>
+          </a:stretch>
+        </p:blipFill>
+        <p:spPr>
+          <a:xfrm>
+            <a:off x="497711" y="458535"/>
+            <a:ext cx="11196576" cy="6298074"/>
+          </a:xfrm>
+          <a:prstGeom prst="rect">
+            <a:avLst/>
+          </a:prstGeom>
+        </p:spPr>
+      </p:pic>
+      <p:sp>
+        <p:nvSpPr>
+          <p:cNvPr id="4" name="TextBox 3">
+            <a:extLst>
+              <a:ext uri="{FF2B5EF4-FFF2-40B4-BE49-F238E27FC236}">
+                <a16:creationId xmlns:a16="http://schemas.microsoft.com/office/drawing/2014/main" id="{103A9C66-9012-4CF6-82D3-FF923DBECB09}"/>
+              </a:ext>
+            </a:extLst>
+          </p:cNvPr>
+          <p:cNvSpPr txBox="1"/>
+          <p:nvPr/>
+        </p:nvSpPr>
+        <p:spPr>
+          <a:xfrm>
+            <a:off x="0" y="0"/>
+            <a:ext cx="12191999" cy="338554"/>
+          </a:xfrm>
+          <a:prstGeom prst="rect">
+            <a:avLst/>
+          </a:prstGeom>
+          <a:solidFill>
+            <a:srgbClr val="92D050"/>
+          </a:solidFill>
+        </p:spPr>
+        <p:txBody>
+          <a:bodyPr wrap="square" rtlCol="0">
+            <a:spAutoFit/>
+          </a:bodyPr>
+          <a:lstStyle/>
+          <a:p>
+            <a:pPr algn="ctr"/>
+            <a:r>
+              <a:rPr lang="en-IN" sz="1600" dirty="0">
+                <a:solidFill>
+                  <a:schemeClr val="bg1"/>
+                </a:solidFill>
+                <a:latin typeface="IBM Plex Mono" panose="020B0509050203000203" pitchFamily="49" charset="0"/>
+                <a:cs typeface="Arial" panose="020B0604020202020204" pitchFamily="34" charset="0"/>
+              </a:rPr>
+              <a:t> Application is deployed and running on browser.</a:t>
+            </a:r>
+          </a:p>
+        </p:txBody>
+      </p:sp>
+    </p:spTree>
+    <p:extLst>
+      <p:ext uri="{BB962C8B-B14F-4D97-AF65-F5344CB8AC3E}">
+        <p14:creationId xmlns:p14="http://schemas.microsoft.com/office/powerpoint/2010/main" val="705665708"/>
       </p:ext>
     </p:extLst>
   </p:cSld>
@@ -3903,12 +4424,73 @@
           <a:chExt cx="0" cy="0"/>
         </a:xfrm>
       </p:grpSpPr>
+      <p:sp>
+        <p:nvSpPr>
+          <p:cNvPr id="2" name="TextBox 1">
+            <a:extLst>
+              <a:ext uri="{FF2B5EF4-FFF2-40B4-BE49-F238E27FC236}">
+                <a16:creationId xmlns:a16="http://schemas.microsoft.com/office/drawing/2014/main" id="{3CD43D78-4D63-4245-9055-5BB6E4CD8064}"/>
+              </a:ext>
+            </a:extLst>
+          </p:cNvPr>
+          <p:cNvSpPr txBox="1"/>
+          <p:nvPr/>
+        </p:nvSpPr>
+        <p:spPr>
+          <a:xfrm>
+            <a:off x="0" y="0"/>
+            <a:ext cx="12191999" cy="739561"/>
+          </a:xfrm>
+          <a:prstGeom prst="rect">
+            <a:avLst/>
+          </a:prstGeom>
+          <a:solidFill>
+            <a:srgbClr val="92D050"/>
+          </a:solidFill>
+        </p:spPr>
+        <p:txBody>
+          <a:bodyPr wrap="square" rtlCol="0">
+            <a:spAutoFit/>
+          </a:bodyPr>
+          <a:lstStyle/>
+          <a:p>
+            <a:pPr algn="ctr"/>
+            <a:r>
+              <a:rPr lang="en-IN" dirty="0">
+                <a:solidFill>
+                  <a:schemeClr val="bg1"/>
+                </a:solidFill>
+                <a:latin typeface="IBM Plex Mono" panose="020B0509050203000203" pitchFamily="49" charset="0"/>
+                <a:cs typeface="Arial" panose="020B0604020202020204" pitchFamily="34" charset="0"/>
+              </a:rPr>
+              <a:t>Step 1 : Open an eclipse EE workspace</a:t>
+            </a:r>
+          </a:p>
+          <a:p>
+            <a:pPr algn="ctr">
+              <a:lnSpc>
+                <a:spcPct val="150000"/>
+              </a:lnSpc>
+            </a:pPr>
+            <a:r>
+              <a:rPr lang="en-IN" dirty="0">
+                <a:solidFill>
+                  <a:schemeClr val="bg1"/>
+                </a:solidFill>
+                <a:latin typeface="IBM Plex Mono" panose="020B0509050203000203" pitchFamily="49" charset="0"/>
+                <a:cs typeface="Arial" panose="020B0604020202020204" pitchFamily="34" charset="0"/>
+              </a:rPr>
+              <a:t>Step 2: Create a new Dynamic web project</a:t>
+            </a:r>
+          </a:p>
+        </p:txBody>
+      </p:sp>
       <p:pic>
         <p:nvPicPr>
-          <p:cNvPr id="5" name="Picture 4">
-            <a:extLst>
-              <a:ext uri="{FF2B5EF4-FFF2-40B4-BE49-F238E27FC236}">
-                <a16:creationId xmlns:a16="http://schemas.microsoft.com/office/drawing/2014/main" id="{BB1E6165-FA8E-4750-BFBF-9C97877ECD94}"/>
+          <p:cNvPr id="4" name="Picture 3">
+            <a:extLst>
+              <a:ext uri="{FF2B5EF4-FFF2-40B4-BE49-F238E27FC236}">
+                <a16:creationId xmlns:a16="http://schemas.microsoft.com/office/drawing/2014/main" id="{E76ECC72-1092-4F5C-8DF9-3322E8366222}"/>
               </a:ext>
             </a:extLst>
           </p:cNvPr>
@@ -3925,75 +4507,23 @@
               </a:ext>
             </a:extLst>
           </a:blip>
-          <a:srcRect l="689" t="10885" r="1199" b="22449"/>
+          <a:srcRect b="4672"/>
           <a:stretch/>
         </p:blipFill>
         <p:spPr>
           <a:xfrm>
-            <a:off x="83976" y="2090056"/>
-            <a:ext cx="11961844" cy="4572001"/>
+            <a:off x="744569" y="956599"/>
+            <a:ext cx="10793252" cy="5787572"/>
           </a:xfrm>
           <a:prstGeom prst="rect">
             <a:avLst/>
           </a:prstGeom>
         </p:spPr>
       </p:pic>
-      <p:sp>
-        <p:nvSpPr>
-          <p:cNvPr id="6" name="Arrow: Down 5">
-            <a:extLst>
-              <a:ext uri="{FF2B5EF4-FFF2-40B4-BE49-F238E27FC236}">
-                <a16:creationId xmlns:a16="http://schemas.microsoft.com/office/drawing/2014/main" id="{DFA70654-96A2-4F80-A7B0-BF097E2B4885}"/>
-              </a:ext>
-            </a:extLst>
-          </p:cNvPr>
-          <p:cNvSpPr/>
-          <p:nvPr/>
-        </p:nvSpPr>
-        <p:spPr>
-          <a:xfrm>
-            <a:off x="1194319" y="5859624"/>
-            <a:ext cx="279918" cy="503853"/>
-          </a:xfrm>
-          <a:prstGeom prst="downArrow">
-            <a:avLst/>
-          </a:prstGeom>
-          <a:solidFill>
-            <a:srgbClr val="92D050"/>
-          </a:solidFill>
-          <a:ln>
-            <a:noFill/>
-          </a:ln>
-        </p:spPr>
-        <p:style>
-          <a:lnRef idx="2">
-            <a:schemeClr val="accent1">
-              <a:shade val="50000"/>
-            </a:schemeClr>
-          </a:lnRef>
-          <a:fillRef idx="1">
-            <a:schemeClr val="accent1"/>
-          </a:fillRef>
-          <a:effectRef idx="0">
-            <a:schemeClr val="accent1"/>
-          </a:effectRef>
-          <a:fontRef idx="minor">
-            <a:schemeClr val="lt1"/>
-          </a:fontRef>
-        </p:style>
-        <p:txBody>
-          <a:bodyPr rtlCol="0" anchor="ctr"/>
-          <a:lstStyle/>
-          <a:p>
-            <a:pPr algn="ctr"/>
-            <a:endParaRPr lang="en-IN"/>
-          </a:p>
-        </p:txBody>
-      </p:sp>
     </p:spTree>
     <p:extLst>
       <p:ext uri="{BB962C8B-B14F-4D97-AF65-F5344CB8AC3E}">
-        <p14:creationId xmlns:p14="http://schemas.microsoft.com/office/powerpoint/2010/main" val="1523883683"/>
+        <p14:creationId xmlns:p14="http://schemas.microsoft.com/office/powerpoint/2010/main" val="529235931"/>
       </p:ext>
     </p:extLst>
   </p:cSld>
@@ -4025,7 +4555,7 @@
           <p:cNvPr id="5" name="Picture 4">
             <a:extLst>
               <a:ext uri="{FF2B5EF4-FFF2-40B4-BE49-F238E27FC236}">
-                <a16:creationId xmlns:a16="http://schemas.microsoft.com/office/drawing/2014/main" id="{29D024B0-E928-4316-B77D-27A15689B873}"/>
+                <a16:creationId xmlns:a16="http://schemas.microsoft.com/office/drawing/2014/main" id="{7DE36B3E-C129-46B1-9A96-2D2079015CA2}"/>
               </a:ext>
             </a:extLst>
           </p:cNvPr>
@@ -4042,13 +4572,13 @@
               </a:ext>
             </a:extLst>
           </a:blip>
-          <a:srcRect l="536" t="10748" r="1200" b="22585"/>
+          <a:srcRect b="4789"/>
           <a:stretch/>
         </p:blipFill>
         <p:spPr>
           <a:xfrm>
-            <a:off x="102636" y="2174032"/>
-            <a:ext cx="11980506" cy="4572000"/>
+            <a:off x="474562" y="670562"/>
+            <a:ext cx="11311796" cy="6058208"/>
           </a:xfrm>
           <a:prstGeom prst="rect">
             <a:avLst/>
@@ -4057,60 +4587,52 @@
       </p:pic>
       <p:sp>
         <p:nvSpPr>
-          <p:cNvPr id="6" name="Arrow: Down 5">
-            <a:extLst>
-              <a:ext uri="{FF2B5EF4-FFF2-40B4-BE49-F238E27FC236}">
-                <a16:creationId xmlns:a16="http://schemas.microsoft.com/office/drawing/2014/main" id="{FD64077A-4EF5-45AD-9734-539131A78002}"/>
-              </a:ext>
-            </a:extLst>
-          </p:cNvPr>
-          <p:cNvSpPr/>
+          <p:cNvPr id="4" name="TextBox 3">
+            <a:extLst>
+              <a:ext uri="{FF2B5EF4-FFF2-40B4-BE49-F238E27FC236}">
+                <a16:creationId xmlns:a16="http://schemas.microsoft.com/office/drawing/2014/main" id="{415E820F-DEAE-491B-A4C7-E3A1623F3EA6}"/>
+              </a:ext>
+            </a:extLst>
+          </p:cNvPr>
+          <p:cNvSpPr txBox="1"/>
           <p:nvPr/>
         </p:nvSpPr>
         <p:spPr>
-          <a:xfrm rot="3802197">
-            <a:off x="961055" y="2472614"/>
-            <a:ext cx="279918" cy="503853"/>
-          </a:xfrm>
-          <a:prstGeom prst="downArrow">
+          <a:xfrm>
+            <a:off x="0" y="0"/>
+            <a:ext cx="12191999" cy="369332"/>
+          </a:xfrm>
+          <a:prstGeom prst="rect">
             <a:avLst/>
           </a:prstGeom>
           <a:solidFill>
             <a:srgbClr val="92D050"/>
           </a:solidFill>
-          <a:ln>
-            <a:noFill/>
-          </a:ln>
-        </p:spPr>
-        <p:style>
-          <a:lnRef idx="2">
-            <a:schemeClr val="accent1">
-              <a:shade val="50000"/>
-            </a:schemeClr>
-          </a:lnRef>
-          <a:fillRef idx="1">
-            <a:schemeClr val="accent1"/>
-          </a:fillRef>
-          <a:effectRef idx="0">
-            <a:schemeClr val="accent1"/>
-          </a:effectRef>
-          <a:fontRef idx="minor">
-            <a:schemeClr val="lt1"/>
-          </a:fontRef>
-        </p:style>
-        <p:txBody>
-          <a:bodyPr rtlCol="0" anchor="ctr"/>
+        </p:spPr>
+        <p:txBody>
+          <a:bodyPr wrap="square" rtlCol="0">
+            <a:spAutoFit/>
+          </a:bodyPr>
           <a:lstStyle/>
           <a:p>
             <a:pPr algn="ctr"/>
-            <a:endParaRPr lang="en-IN"/>
+            <a:r>
+              <a:rPr lang="en-IN" dirty="0">
+                <a:solidFill>
+                  <a:schemeClr val="bg1"/>
+                </a:solidFill>
+                <a:latin typeface="IBM Plex Mono" panose="020B0509050203000203" pitchFamily="49" charset="0"/>
+                <a:cs typeface="Arial" panose="020B0604020202020204" pitchFamily="34" charset="0"/>
+              </a:rPr>
+              <a:t>Step 3: Search IBM Bluemix in target runtime </a:t>
+            </a:r>
           </a:p>
         </p:txBody>
       </p:sp>
     </p:spTree>
     <p:extLst>
       <p:ext uri="{BB962C8B-B14F-4D97-AF65-F5344CB8AC3E}">
-        <p14:creationId xmlns:p14="http://schemas.microsoft.com/office/powerpoint/2010/main" val="2628143002"/>
+        <p14:creationId xmlns:p14="http://schemas.microsoft.com/office/powerpoint/2010/main" val="1671218753"/>
       </p:ext>
     </p:extLst>
   </p:cSld>
@@ -4139,10 +4661,10 @@
       </p:grpSpPr>
       <p:pic>
         <p:nvPicPr>
-          <p:cNvPr id="5" name="Picture 4">
-            <a:extLst>
-              <a:ext uri="{FF2B5EF4-FFF2-40B4-BE49-F238E27FC236}">
-                <a16:creationId xmlns:a16="http://schemas.microsoft.com/office/drawing/2014/main" id="{5173BF95-891D-4C05-AAC9-6AF9E25773B6}"/>
+          <p:cNvPr id="3" name="Picture 2">
+            <a:extLst>
+              <a:ext uri="{FF2B5EF4-FFF2-40B4-BE49-F238E27FC236}">
+                <a16:creationId xmlns:a16="http://schemas.microsoft.com/office/drawing/2014/main" id="{6A224BBF-B760-45F1-99A0-42CC4775A36C}"/>
               </a:ext>
             </a:extLst>
           </p:cNvPr>
@@ -4159,13 +4681,13 @@
               </a:ext>
             </a:extLst>
           </a:blip>
-          <a:srcRect l="612" t="10476" r="1429" b="7755"/>
+          <a:srcRect b="4800"/>
           <a:stretch/>
         </p:blipFill>
         <p:spPr>
           <a:xfrm>
-            <a:off x="139959" y="1110342"/>
-            <a:ext cx="11943184" cy="5607699"/>
+            <a:off x="403551" y="613458"/>
+            <a:ext cx="11384896" cy="6096644"/>
           </a:xfrm>
           <a:prstGeom prst="rect">
             <a:avLst/>
@@ -4174,60 +4696,52 @@
       </p:pic>
       <p:sp>
         <p:nvSpPr>
-          <p:cNvPr id="6" name="Arrow: Down 5">
-            <a:extLst>
-              <a:ext uri="{FF2B5EF4-FFF2-40B4-BE49-F238E27FC236}">
-                <a16:creationId xmlns:a16="http://schemas.microsoft.com/office/drawing/2014/main" id="{4A9BEA88-A79E-45FB-94A5-968F2C71F38E}"/>
-              </a:ext>
-            </a:extLst>
-          </p:cNvPr>
-          <p:cNvSpPr/>
+          <p:cNvPr id="5" name="TextBox 4">
+            <a:extLst>
+              <a:ext uri="{FF2B5EF4-FFF2-40B4-BE49-F238E27FC236}">
+                <a16:creationId xmlns:a16="http://schemas.microsoft.com/office/drawing/2014/main" id="{0B110720-D1C8-4F7F-9D10-E4B1C004E2DC}"/>
+              </a:ext>
+            </a:extLst>
+          </p:cNvPr>
+          <p:cNvSpPr txBox="1"/>
           <p:nvPr/>
         </p:nvSpPr>
         <p:spPr>
           <a:xfrm>
-            <a:off x="3097763" y="4711959"/>
-            <a:ext cx="279918" cy="503853"/>
-          </a:xfrm>
-          <a:prstGeom prst="downArrow">
+            <a:off x="0" y="0"/>
+            <a:ext cx="12191999" cy="369332"/>
+          </a:xfrm>
+          <a:prstGeom prst="rect">
             <a:avLst/>
           </a:prstGeom>
           <a:solidFill>
             <a:srgbClr val="92D050"/>
           </a:solidFill>
-          <a:ln>
-            <a:noFill/>
-          </a:ln>
-        </p:spPr>
-        <p:style>
-          <a:lnRef idx="2">
-            <a:schemeClr val="accent1">
-              <a:shade val="50000"/>
-            </a:schemeClr>
-          </a:lnRef>
-          <a:fillRef idx="1">
-            <a:schemeClr val="accent1"/>
-          </a:fillRef>
-          <a:effectRef idx="0">
-            <a:schemeClr val="accent1"/>
-          </a:effectRef>
-          <a:fontRef idx="minor">
-            <a:schemeClr val="lt1"/>
-          </a:fontRef>
-        </p:style>
-        <p:txBody>
-          <a:bodyPr rtlCol="0" anchor="ctr"/>
+        </p:spPr>
+        <p:txBody>
+          <a:bodyPr wrap="square" rtlCol="0">
+            <a:spAutoFit/>
+          </a:bodyPr>
           <a:lstStyle/>
           <a:p>
             <a:pPr algn="ctr"/>
-            <a:endParaRPr lang="en-IN"/>
+            <a:r>
+              <a:rPr lang="en-IN" dirty="0">
+                <a:solidFill>
+                  <a:schemeClr val="bg1"/>
+                </a:solidFill>
+                <a:latin typeface="IBM Plex Mono" panose="020B0509050203000203" pitchFamily="49" charset="0"/>
+                <a:cs typeface="Arial" panose="020B0604020202020204" pitchFamily="34" charset="0"/>
+              </a:rPr>
+              <a:t>Step 4: Select Dynamic web project and hit next.</a:t>
+            </a:r>
           </a:p>
         </p:txBody>
       </p:sp>
     </p:spTree>
     <p:extLst>
       <p:ext uri="{BB962C8B-B14F-4D97-AF65-F5344CB8AC3E}">
-        <p14:creationId xmlns:p14="http://schemas.microsoft.com/office/powerpoint/2010/main" val="1032104060"/>
+        <p14:creationId xmlns:p14="http://schemas.microsoft.com/office/powerpoint/2010/main" val="2441143781"/>
       </p:ext>
     </p:extLst>
   </p:cSld>
@@ -4256,10 +4770,10 @@
       </p:grpSpPr>
       <p:pic>
         <p:nvPicPr>
-          <p:cNvPr id="5" name="Picture 4">
-            <a:extLst>
-              <a:ext uri="{FF2B5EF4-FFF2-40B4-BE49-F238E27FC236}">
-                <a16:creationId xmlns:a16="http://schemas.microsoft.com/office/drawing/2014/main" id="{54E21F64-6C44-40D5-A1F4-D2B9AFBABB65}"/>
+          <p:cNvPr id="3" name="Picture 2">
+            <a:extLst>
+              <a:ext uri="{FF2B5EF4-FFF2-40B4-BE49-F238E27FC236}">
+                <a16:creationId xmlns:a16="http://schemas.microsoft.com/office/drawing/2014/main" id="{76D19B3C-D265-4299-B0C9-573A2B96757C}"/>
               </a:ext>
             </a:extLst>
           </p:cNvPr>
@@ -4276,13 +4790,13 @@
               </a:ext>
             </a:extLst>
           </a:blip>
-          <a:srcRect l="383" t="10612" b="14966"/>
+          <a:srcRect b="5377"/>
           <a:stretch/>
         </p:blipFill>
         <p:spPr>
           <a:xfrm>
-            <a:off x="46653" y="1688841"/>
-            <a:ext cx="12145347" cy="5103845"/>
+            <a:off x="154290" y="451925"/>
+            <a:ext cx="11883418" cy="6325050"/>
           </a:xfrm>
           <a:prstGeom prst="rect">
             <a:avLst/>
@@ -4291,60 +4805,52 @@
       </p:pic>
       <p:sp>
         <p:nvSpPr>
-          <p:cNvPr id="6" name="Arrow: Down 5">
-            <a:extLst>
-              <a:ext uri="{FF2B5EF4-FFF2-40B4-BE49-F238E27FC236}">
-                <a16:creationId xmlns:a16="http://schemas.microsoft.com/office/drawing/2014/main" id="{7022BCDB-CE02-4837-9C84-7312F1C58094}"/>
-              </a:ext>
-            </a:extLst>
-          </p:cNvPr>
-          <p:cNvSpPr/>
+          <p:cNvPr id="5" name="TextBox 4">
+            <a:extLst>
+              <a:ext uri="{FF2B5EF4-FFF2-40B4-BE49-F238E27FC236}">
+                <a16:creationId xmlns:a16="http://schemas.microsoft.com/office/drawing/2014/main" id="{BC1A83B6-130E-4D6E-8B5C-52F4D28D60E6}"/>
+              </a:ext>
+            </a:extLst>
+          </p:cNvPr>
+          <p:cNvSpPr txBox="1"/>
           <p:nvPr/>
         </p:nvSpPr>
         <p:spPr>
-          <a:xfrm rot="16200000">
-            <a:off x="9535888" y="2174032"/>
-            <a:ext cx="279918" cy="503853"/>
-          </a:xfrm>
-          <a:prstGeom prst="downArrow">
+          <a:xfrm>
+            <a:off x="0" y="0"/>
+            <a:ext cx="12191999" cy="338554"/>
+          </a:xfrm>
+          <a:prstGeom prst="rect">
             <a:avLst/>
           </a:prstGeom>
           <a:solidFill>
             <a:srgbClr val="92D050"/>
           </a:solidFill>
-          <a:ln>
-            <a:noFill/>
-          </a:ln>
-        </p:spPr>
-        <p:style>
-          <a:lnRef idx="2">
-            <a:schemeClr val="accent1">
-              <a:shade val="50000"/>
-            </a:schemeClr>
-          </a:lnRef>
-          <a:fillRef idx="1">
-            <a:schemeClr val="accent1"/>
-          </a:fillRef>
-          <a:effectRef idx="0">
-            <a:schemeClr val="accent1"/>
-          </a:effectRef>
-          <a:fontRef idx="minor">
-            <a:schemeClr val="lt1"/>
-          </a:fontRef>
-        </p:style>
-        <p:txBody>
-          <a:bodyPr rtlCol="0" anchor="ctr"/>
+        </p:spPr>
+        <p:txBody>
+          <a:bodyPr wrap="square" rtlCol="0">
+            <a:spAutoFit/>
+          </a:bodyPr>
           <a:lstStyle/>
           <a:p>
             <a:pPr algn="ctr"/>
-            <a:endParaRPr lang="en-IN"/>
+            <a:r>
+              <a:rPr lang="en-IN" sz="1600" dirty="0">
+                <a:solidFill>
+                  <a:schemeClr val="bg1"/>
+                </a:solidFill>
+                <a:latin typeface="IBM Plex Mono" panose="020B0509050203000203" pitchFamily="49" charset="0"/>
+                <a:cs typeface="Arial" panose="020B0604020202020204" pitchFamily="34" charset="0"/>
+              </a:rPr>
+              <a:t>Step 5: Click on  New Runtime button to install IBM Bluemix runtime if you don’t have Bluemix</a:t>
+            </a:r>
           </a:p>
         </p:txBody>
       </p:sp>
     </p:spTree>
     <p:extLst>
       <p:ext uri="{BB962C8B-B14F-4D97-AF65-F5344CB8AC3E}">
-        <p14:creationId xmlns:p14="http://schemas.microsoft.com/office/powerpoint/2010/main" val="2547239069"/>
+        <p14:creationId xmlns:p14="http://schemas.microsoft.com/office/powerpoint/2010/main" val="2287938314"/>
       </p:ext>
     </p:extLst>
   </p:cSld>
@@ -4373,10 +4879,10 @@
       </p:grpSpPr>
       <p:pic>
         <p:nvPicPr>
-          <p:cNvPr id="5" name="Picture 4">
-            <a:extLst>
-              <a:ext uri="{FF2B5EF4-FFF2-40B4-BE49-F238E27FC236}">
-                <a16:creationId xmlns:a16="http://schemas.microsoft.com/office/drawing/2014/main" id="{DC29F5F4-4D0F-464B-AAC4-CCAFF0A81EF5}"/>
+          <p:cNvPr id="3" name="Picture 2">
+            <a:extLst>
+              <a:ext uri="{FF2B5EF4-FFF2-40B4-BE49-F238E27FC236}">
+                <a16:creationId xmlns:a16="http://schemas.microsoft.com/office/drawing/2014/main" id="{8083170A-8C5A-4004-A90F-EF184FCE6F06}"/>
               </a:ext>
             </a:extLst>
           </p:cNvPr>
@@ -4393,13 +4899,13 @@
               </a:ext>
             </a:extLst>
           </a:blip>
-          <a:srcRect l="536" t="10748" r="1200" b="4898"/>
+          <a:srcRect b="5044"/>
           <a:stretch/>
         </p:blipFill>
         <p:spPr>
           <a:xfrm>
-            <a:off x="65314" y="933061"/>
-            <a:ext cx="11980506" cy="5784980"/>
+            <a:off x="175885" y="428265"/>
+            <a:ext cx="11840228" cy="6324204"/>
           </a:xfrm>
           <a:prstGeom prst="rect">
             <a:avLst/>
@@ -4408,60 +4914,52 @@
       </p:pic>
       <p:sp>
         <p:nvSpPr>
-          <p:cNvPr id="6" name="Arrow: Down 5">
-            <a:extLst>
-              <a:ext uri="{FF2B5EF4-FFF2-40B4-BE49-F238E27FC236}">
-                <a16:creationId xmlns:a16="http://schemas.microsoft.com/office/drawing/2014/main" id="{70839EF0-83CF-4955-A83E-323C7B83C9CF}"/>
-              </a:ext>
-            </a:extLst>
-          </p:cNvPr>
-          <p:cNvSpPr/>
+          <p:cNvPr id="5" name="TextBox 4">
+            <a:extLst>
+              <a:ext uri="{FF2B5EF4-FFF2-40B4-BE49-F238E27FC236}">
+                <a16:creationId xmlns:a16="http://schemas.microsoft.com/office/drawing/2014/main" id="{0E525F37-CAC4-4923-92AE-53B2445F22DE}"/>
+              </a:ext>
+            </a:extLst>
+          </p:cNvPr>
+          <p:cNvSpPr txBox="1"/>
           <p:nvPr/>
         </p:nvSpPr>
         <p:spPr>
-          <a:xfrm rot="16200000">
-            <a:off x="9545218" y="1474236"/>
-            <a:ext cx="279918" cy="503853"/>
-          </a:xfrm>
-          <a:prstGeom prst="downArrow">
+          <a:xfrm>
+            <a:off x="0" y="0"/>
+            <a:ext cx="12191999" cy="338554"/>
+          </a:xfrm>
+          <a:prstGeom prst="rect">
             <a:avLst/>
           </a:prstGeom>
           <a:solidFill>
             <a:srgbClr val="92D050"/>
           </a:solidFill>
-          <a:ln>
-            <a:noFill/>
-          </a:ln>
-        </p:spPr>
-        <p:style>
-          <a:lnRef idx="2">
-            <a:schemeClr val="accent1">
-              <a:shade val="50000"/>
-            </a:schemeClr>
-          </a:lnRef>
-          <a:fillRef idx="1">
-            <a:schemeClr val="accent1"/>
-          </a:fillRef>
-          <a:effectRef idx="0">
-            <a:schemeClr val="accent1"/>
-          </a:effectRef>
-          <a:fontRef idx="minor">
-            <a:schemeClr val="lt1"/>
-          </a:fontRef>
-        </p:style>
-        <p:txBody>
-          <a:bodyPr rtlCol="0" anchor="ctr"/>
+        </p:spPr>
+        <p:txBody>
+          <a:bodyPr wrap="square" rtlCol="0">
+            <a:spAutoFit/>
+          </a:bodyPr>
           <a:lstStyle/>
           <a:p>
             <a:pPr algn="ctr"/>
-            <a:endParaRPr lang="en-IN"/>
+            <a:r>
+              <a:rPr lang="en-IN" sz="1600" dirty="0">
+                <a:solidFill>
+                  <a:schemeClr val="bg1"/>
+                </a:solidFill>
+                <a:latin typeface="IBM Plex Mono" panose="020B0509050203000203" pitchFamily="49" charset="0"/>
+                <a:cs typeface="Arial" panose="020B0604020202020204" pitchFamily="34" charset="0"/>
+              </a:rPr>
+              <a:t>Step 6: Search IBM Bluemix runtime and select IBM Bluemix tool adapter</a:t>
+            </a:r>
           </a:p>
         </p:txBody>
       </p:sp>
     </p:spTree>
     <p:extLst>
       <p:ext uri="{BB962C8B-B14F-4D97-AF65-F5344CB8AC3E}">
-        <p14:creationId xmlns:p14="http://schemas.microsoft.com/office/powerpoint/2010/main" val="634184329"/>
+        <p14:creationId xmlns:p14="http://schemas.microsoft.com/office/powerpoint/2010/main" val="1130808520"/>
       </p:ext>
     </p:extLst>
   </p:cSld>
@@ -4488,170 +4986,105 @@
           <a:chExt cx="0" cy="0"/>
         </a:xfrm>
       </p:grpSpPr>
-      <p:grpSp>
-        <p:nvGrpSpPr>
-          <p:cNvPr id="2" name="Group 1">
-            <a:extLst>
-              <a:ext uri="{FF2B5EF4-FFF2-40B4-BE49-F238E27FC236}">
-                <a16:creationId xmlns:a16="http://schemas.microsoft.com/office/drawing/2014/main" id="{737CC9F5-0CCA-4738-B183-231AF40B2385}"/>
-              </a:ext>
-            </a:extLst>
-          </p:cNvPr>
-          <p:cNvGrpSpPr/>
+      <p:pic>
+        <p:nvPicPr>
+          <p:cNvPr id="3" name="Picture 2">
+            <a:extLst>
+              <a:ext uri="{FF2B5EF4-FFF2-40B4-BE49-F238E27FC236}">
+                <a16:creationId xmlns:a16="http://schemas.microsoft.com/office/drawing/2014/main" id="{F003493C-6092-46A0-8B0F-C3763F42A399}"/>
+              </a:ext>
+            </a:extLst>
+          </p:cNvPr>
+          <p:cNvPicPr>
+            <a:picLocks noChangeAspect="1"/>
+          </p:cNvPicPr>
           <p:nvPr/>
-        </p:nvGrpSpPr>
-        <p:grpSpPr>
-          <a:xfrm>
-            <a:off x="3592286" y="3520994"/>
-            <a:ext cx="5533054" cy="3119777"/>
-            <a:chOff x="1418253" y="3129108"/>
-            <a:chExt cx="5533054" cy="3119777"/>
-          </a:xfrm>
-        </p:grpSpPr>
-        <p:pic>
-          <p:nvPicPr>
-            <p:cNvPr id="5" name="Picture 4">
-              <a:extLst>
-                <a:ext uri="{FF2B5EF4-FFF2-40B4-BE49-F238E27FC236}">
-                  <a16:creationId xmlns:a16="http://schemas.microsoft.com/office/drawing/2014/main" id="{096FBCAE-9ED7-4986-8B13-173B4BF32CAC}"/>
-                </a:ext>
-              </a:extLst>
-            </p:cNvPr>
-            <p:cNvPicPr>
-              <a:picLocks noChangeAspect="1"/>
-            </p:cNvPicPr>
-            <p:nvPr/>
-          </p:nvPicPr>
-          <p:blipFill rotWithShape="1">
-            <a:blip r:embed="rId2">
-              <a:extLst>
-                <a:ext uri="{28A0092B-C50C-407E-A947-70E740481C1C}">
-                  <a14:useLocalDpi xmlns:a14="http://schemas.microsoft.com/office/drawing/2010/main" val="0"/>
-                </a:ext>
-              </a:extLst>
-            </a:blip>
-            <a:srcRect l="10408" t="9387" r="44209" b="45121"/>
-            <a:stretch/>
-          </p:blipFill>
-          <p:spPr>
-            <a:xfrm>
-              <a:off x="1418253" y="3129108"/>
-              <a:ext cx="5533054" cy="3119777"/>
-            </a:xfrm>
-            <a:prstGeom prst="rect">
-              <a:avLst/>
-            </a:prstGeom>
-          </p:spPr>
-        </p:pic>
-        <p:sp>
-          <p:nvSpPr>
-            <p:cNvPr id="6" name="Arrow: Down 5">
-              <a:extLst>
-                <a:ext uri="{FF2B5EF4-FFF2-40B4-BE49-F238E27FC236}">
-                  <a16:creationId xmlns:a16="http://schemas.microsoft.com/office/drawing/2014/main" id="{F5F9E5B0-A434-4D10-8E50-5D1842DDB081}"/>
-                </a:ext>
-              </a:extLst>
-            </p:cNvPr>
-            <p:cNvSpPr/>
-            <p:nvPr/>
-          </p:nvSpPr>
-          <p:spPr>
-            <a:xfrm rot="8198594">
-              <a:off x="5505062" y="5717697"/>
-              <a:ext cx="279918" cy="503853"/>
-            </a:xfrm>
-            <a:prstGeom prst="downArrow">
-              <a:avLst/>
-            </a:prstGeom>
-            <a:solidFill>
-              <a:srgbClr val="92D050"/>
-            </a:solidFill>
-            <a:ln>
-              <a:noFill/>
-            </a:ln>
-          </p:spPr>
-          <p:style>
-            <a:lnRef idx="2">
-              <a:schemeClr val="accent1">
-                <a:shade val="50000"/>
-              </a:schemeClr>
-            </a:lnRef>
-            <a:fillRef idx="1">
-              <a:schemeClr val="accent1"/>
-            </a:fillRef>
-            <a:effectRef idx="0">
-              <a:schemeClr val="accent1"/>
-            </a:effectRef>
-            <a:fontRef idx="minor">
-              <a:schemeClr val="lt1"/>
-            </a:fontRef>
-          </p:style>
-          <p:txBody>
-            <a:bodyPr rtlCol="0" anchor="ctr"/>
-            <a:lstStyle/>
-            <a:p>
-              <a:pPr algn="ctr"/>
-              <a:endParaRPr lang="en-IN"/>
-            </a:p>
-          </p:txBody>
-        </p:sp>
-        <p:sp>
-          <p:nvSpPr>
-            <p:cNvPr id="7" name="Rectangle 6">
-              <a:extLst>
-                <a:ext uri="{FF2B5EF4-FFF2-40B4-BE49-F238E27FC236}">
-                  <a16:creationId xmlns:a16="http://schemas.microsoft.com/office/drawing/2014/main" id="{46388434-00A4-4ECE-90A8-B8604ECD1163}"/>
-                </a:ext>
-              </a:extLst>
-            </p:cNvPr>
-            <p:cNvSpPr/>
-            <p:nvPr/>
-          </p:nvSpPr>
-          <p:spPr>
-            <a:xfrm>
-              <a:off x="1418253" y="3129108"/>
-              <a:ext cx="5103845" cy="2528596"/>
-            </a:xfrm>
-            <a:prstGeom prst="rect">
-              <a:avLst/>
-            </a:prstGeom>
-            <a:noFill/>
-            <a:ln w="38100">
+        </p:nvPicPr>
+        <p:blipFill rotWithShape="1">
+          <a:blip r:embed="rId2">
+            <a:extLst>
+              <a:ext uri="{28A0092B-C50C-407E-A947-70E740481C1C}">
+                <a14:useLocalDpi xmlns:a14="http://schemas.microsoft.com/office/drawing/2010/main" val="0"/>
+              </a:ext>
+            </a:extLst>
+          </a:blip>
+          <a:srcRect b="4847"/>
+          <a:stretch/>
+        </p:blipFill>
+        <p:spPr>
+          <a:xfrm>
+            <a:off x="270029" y="462987"/>
+            <a:ext cx="11651940" cy="6236578"/>
+          </a:xfrm>
+          <a:prstGeom prst="rect">
+            <a:avLst/>
+          </a:prstGeom>
+        </p:spPr>
+      </p:pic>
+      <p:sp>
+        <p:nvSpPr>
+          <p:cNvPr id="5" name="TextBox 4">
+            <a:extLst>
+              <a:ext uri="{FF2B5EF4-FFF2-40B4-BE49-F238E27FC236}">
+                <a16:creationId xmlns:a16="http://schemas.microsoft.com/office/drawing/2014/main" id="{359D18F1-7A7F-42A5-ABB9-A5000855A662}"/>
+              </a:ext>
+            </a:extLst>
+          </p:cNvPr>
+          <p:cNvSpPr txBox="1"/>
+          <p:nvPr/>
+        </p:nvSpPr>
+        <p:spPr>
+          <a:xfrm>
+            <a:off x="0" y="0"/>
+            <a:ext cx="12191999" cy="338554"/>
+          </a:xfrm>
+          <a:prstGeom prst="rect">
+            <a:avLst/>
+          </a:prstGeom>
+          <a:solidFill>
+            <a:srgbClr val="92D050"/>
+          </a:solidFill>
+        </p:spPr>
+        <p:txBody>
+          <a:bodyPr wrap="square" rtlCol="0">
+            <a:spAutoFit/>
+          </a:bodyPr>
+          <a:lstStyle/>
+          <a:p>
+            <a:pPr algn="ctr"/>
+            <a:r>
+              <a:rPr lang="en-IN" sz="1600" dirty="0">
+                <a:solidFill>
+                  <a:schemeClr val="bg1"/>
+                </a:solidFill>
+                <a:latin typeface="IBM Plex Mono" panose="020B0509050203000203" pitchFamily="49" charset="0"/>
+                <a:cs typeface="Arial" panose="020B0604020202020204" pitchFamily="34" charset="0"/>
+              </a:rPr>
+              <a:t>Step 7: Select IBM Bluemix Runtime and hit Finish</a:t>
+            </a:r>
+            <a:r>
+              <a:rPr lang="en-IN" sz="1600" dirty="0">
+                <a:solidFill>
+                  <a:schemeClr val="bg1"/>
+                </a:solidFill>
+                <a:latin typeface="IBM Plex Mono" panose="020B0509050203000203" pitchFamily="49" charset="0"/>
+              </a:rPr>
+              <a:t>.</a:t>
+            </a:r>
+            <a:endParaRPr lang="en-IN" sz="1600" dirty="0">
               <a:solidFill>
-                <a:srgbClr val="92D050"/>
+                <a:schemeClr val="bg1"/>
               </a:solidFill>
-            </a:ln>
-          </p:spPr>
-          <p:style>
-            <a:lnRef idx="2">
-              <a:schemeClr val="accent1">
-                <a:shade val="50000"/>
-              </a:schemeClr>
-            </a:lnRef>
-            <a:fillRef idx="1">
-              <a:schemeClr val="accent1"/>
-            </a:fillRef>
-            <a:effectRef idx="0">
-              <a:schemeClr val="accent1"/>
-            </a:effectRef>
-            <a:fontRef idx="minor">
-              <a:schemeClr val="lt1"/>
-            </a:fontRef>
-          </p:style>
-          <p:txBody>
-            <a:bodyPr rtlCol="0" anchor="ctr"/>
-            <a:lstStyle/>
-            <a:p>
-              <a:pPr algn="ctr"/>
-              <a:endParaRPr lang="en-IN"/>
-            </a:p>
-          </p:txBody>
-        </p:sp>
-      </p:grpSp>
+              <a:latin typeface="IBM Plex Mono" panose="020B0509050203000203" pitchFamily="49" charset="0"/>
+              <a:cs typeface="Arial" panose="020B0604020202020204" pitchFamily="34" charset="0"/>
+            </a:endParaRPr>
+          </a:p>
+        </p:txBody>
+      </p:sp>
     </p:spTree>
     <p:extLst>
       <p:ext uri="{BB962C8B-B14F-4D97-AF65-F5344CB8AC3E}">
-        <p14:creationId xmlns:p14="http://schemas.microsoft.com/office/powerpoint/2010/main" val="3890826913"/>
+        <p14:creationId xmlns:p14="http://schemas.microsoft.com/office/powerpoint/2010/main" val="3761834871"/>
       </p:ext>
     </p:extLst>
   </p:cSld>
@@ -4680,10 +5113,10 @@
       </p:grpSpPr>
       <p:pic>
         <p:nvPicPr>
-          <p:cNvPr id="5" name="Picture 4">
-            <a:extLst>
-              <a:ext uri="{FF2B5EF4-FFF2-40B4-BE49-F238E27FC236}">
-                <a16:creationId xmlns:a16="http://schemas.microsoft.com/office/drawing/2014/main" id="{02FE79AD-1C4A-4125-9A57-1297958717A2}"/>
+          <p:cNvPr id="3" name="Picture 2">
+            <a:extLst>
+              <a:ext uri="{FF2B5EF4-FFF2-40B4-BE49-F238E27FC236}">
+                <a16:creationId xmlns:a16="http://schemas.microsoft.com/office/drawing/2014/main" id="{DE04AF69-74A4-44FF-B8A6-BC111A142D33}"/>
               </a:ext>
             </a:extLst>
           </p:cNvPr>
@@ -4695,27 +5128,18 @@
         <p:blipFill rotWithShape="1">
           <a:blip r:embed="rId2">
             <a:extLst>
-              <a:ext uri="{BEBA8EAE-BF5A-486C-A8C5-ECC9F3942E4B}">
-                <a14:imgProps xmlns:a14="http://schemas.microsoft.com/office/drawing/2010/main">
-                  <a14:imgLayer r:embed="rId3">
-                    <a14:imgEffect>
-                      <a14:brightnessContrast bright="40000" contrast="-40000"/>
-                    </a14:imgEffect>
-                  </a14:imgLayer>
-                </a14:imgProps>
-              </a:ext>
               <a:ext uri="{28A0092B-C50C-407E-A947-70E740481C1C}">
                 <a14:useLocalDpi xmlns:a14="http://schemas.microsoft.com/office/drawing/2010/main" val="0"/>
               </a:ext>
             </a:extLst>
           </a:blip>
-          <a:srcRect t="3946" r="3112" b="5851"/>
+          <a:srcRect b="5268"/>
           <a:stretch/>
         </p:blipFill>
         <p:spPr>
           <a:xfrm>
-            <a:off x="205273" y="475863"/>
-            <a:ext cx="11812555" cy="6186196"/>
+            <a:off x="365880" y="601884"/>
+            <a:ext cx="11460238" cy="6106802"/>
           </a:xfrm>
           <a:prstGeom prst="rect">
             <a:avLst/>
@@ -4724,112 +5148,52 @@
       </p:pic>
       <p:sp>
         <p:nvSpPr>
-          <p:cNvPr id="6" name="Rectangle 5">
-            <a:extLst>
-              <a:ext uri="{FF2B5EF4-FFF2-40B4-BE49-F238E27FC236}">
-                <a16:creationId xmlns:a16="http://schemas.microsoft.com/office/drawing/2014/main" id="{E42BD73F-E500-4297-AF1F-63560F581115}"/>
-              </a:ext>
-            </a:extLst>
-          </p:cNvPr>
-          <p:cNvSpPr/>
+          <p:cNvPr id="5" name="TextBox 4">
+            <a:extLst>
+              <a:ext uri="{FF2B5EF4-FFF2-40B4-BE49-F238E27FC236}">
+                <a16:creationId xmlns:a16="http://schemas.microsoft.com/office/drawing/2014/main" id="{0BF795EE-9CF5-491B-9482-865A4AD8C971}"/>
+              </a:ext>
+            </a:extLst>
+          </p:cNvPr>
+          <p:cNvSpPr txBox="1"/>
           <p:nvPr/>
         </p:nvSpPr>
         <p:spPr>
           <a:xfrm>
-            <a:off x="4133462" y="401215"/>
-            <a:ext cx="2341984" cy="401217"/>
+            <a:off x="0" y="0"/>
+            <a:ext cx="12191999" cy="338554"/>
           </a:xfrm>
           <a:prstGeom prst="rect">
             <a:avLst/>
           </a:prstGeom>
-          <a:noFill/>
-          <a:ln w="38100">
-            <a:solidFill>
-              <a:srgbClr val="92D050"/>
-            </a:solidFill>
-          </a:ln>
-        </p:spPr>
-        <p:style>
-          <a:lnRef idx="2">
-            <a:schemeClr val="accent1">
-              <a:shade val="50000"/>
-            </a:schemeClr>
-          </a:lnRef>
-          <a:fillRef idx="1">
-            <a:schemeClr val="accent1"/>
-          </a:fillRef>
-          <a:effectRef idx="0">
-            <a:schemeClr val="accent1"/>
-          </a:effectRef>
-          <a:fontRef idx="minor">
-            <a:schemeClr val="lt1"/>
-          </a:fontRef>
-        </p:style>
-        <p:txBody>
-          <a:bodyPr rtlCol="0" anchor="ctr"/>
+          <a:solidFill>
+            <a:srgbClr val="92D050"/>
+          </a:solidFill>
+        </p:spPr>
+        <p:txBody>
+          <a:bodyPr wrap="square" rtlCol="0">
+            <a:spAutoFit/>
+          </a:bodyPr>
           <a:lstStyle/>
           <a:p>
             <a:pPr algn="ctr"/>
-            <a:endParaRPr lang="en-IN"/>
-          </a:p>
-        </p:txBody>
-      </p:sp>
-      <p:sp>
-        <p:nvSpPr>
-          <p:cNvPr id="7" name="Rectangle 6">
-            <a:extLst>
-              <a:ext uri="{FF2B5EF4-FFF2-40B4-BE49-F238E27FC236}">
-                <a16:creationId xmlns:a16="http://schemas.microsoft.com/office/drawing/2014/main" id="{48A6D64E-5046-46CF-8944-12890803CFDB}"/>
-              </a:ext>
-            </a:extLst>
-          </p:cNvPr>
-          <p:cNvSpPr/>
-          <p:nvPr/>
-        </p:nvSpPr>
-        <p:spPr>
-          <a:xfrm>
-            <a:off x="4133461" y="1996750"/>
-            <a:ext cx="615821" cy="348343"/>
-          </a:xfrm>
-          <a:prstGeom prst="rect">
-            <a:avLst/>
-          </a:prstGeom>
-          <a:noFill/>
-          <a:ln w="38100">
-            <a:solidFill>
-              <a:srgbClr val="92D050"/>
-            </a:solidFill>
-          </a:ln>
-        </p:spPr>
-        <p:style>
-          <a:lnRef idx="2">
-            <a:schemeClr val="accent1">
-              <a:shade val="50000"/>
-            </a:schemeClr>
-          </a:lnRef>
-          <a:fillRef idx="1">
-            <a:schemeClr val="accent1"/>
-          </a:fillRef>
-          <a:effectRef idx="0">
-            <a:schemeClr val="accent1"/>
-          </a:effectRef>
-          <a:fontRef idx="minor">
-            <a:schemeClr val="lt1"/>
-          </a:fontRef>
-        </p:style>
-        <p:txBody>
-          <a:bodyPr rtlCol="0" anchor="ctr"/>
-          <a:lstStyle/>
-          <a:p>
-            <a:pPr algn="ctr"/>
-            <a:endParaRPr lang="en-IN"/>
+            <a:r>
+              <a:rPr lang="en-IN" sz="1600" dirty="0">
+                <a:solidFill>
+                  <a:schemeClr val="bg1"/>
+                </a:solidFill>
+                <a:latin typeface="IBM Plex Mono" panose="020B0509050203000203" pitchFamily="49" charset="0"/>
+                <a:cs typeface="Arial" panose="020B0604020202020204" pitchFamily="34" charset="0"/>
+              </a:rPr>
+              <a:t>Step 8: Select the check box.</a:t>
+            </a:r>
           </a:p>
         </p:txBody>
       </p:sp>
     </p:spTree>
     <p:extLst>
       <p:ext uri="{BB962C8B-B14F-4D97-AF65-F5344CB8AC3E}">
-        <p14:creationId xmlns:p14="http://schemas.microsoft.com/office/powerpoint/2010/main" val="502188522"/>
+        <p14:creationId xmlns:p14="http://schemas.microsoft.com/office/powerpoint/2010/main" val="3911900533"/>
       </p:ext>
     </p:extLst>
   </p:cSld>
@@ -4858,10 +5222,10 @@
       </p:grpSpPr>
       <p:pic>
         <p:nvPicPr>
-          <p:cNvPr id="5" name="Picture 4">
-            <a:extLst>
-              <a:ext uri="{FF2B5EF4-FFF2-40B4-BE49-F238E27FC236}">
-                <a16:creationId xmlns:a16="http://schemas.microsoft.com/office/drawing/2014/main" id="{4E019AD5-BB8C-472F-8622-84F5C429E917}"/>
+          <p:cNvPr id="7" name="Picture 6">
+            <a:extLst>
+              <a:ext uri="{FF2B5EF4-FFF2-40B4-BE49-F238E27FC236}">
+                <a16:creationId xmlns:a16="http://schemas.microsoft.com/office/drawing/2014/main" id="{FEBEFF1E-9692-4CD4-BFE7-DA8931A1C59C}"/>
               </a:ext>
             </a:extLst>
           </p:cNvPr>
@@ -4873,27 +5237,18 @@
         <p:blipFill rotWithShape="1">
           <a:blip r:embed="rId2">
             <a:extLst>
-              <a:ext uri="{BEBA8EAE-BF5A-486C-A8C5-ECC9F3942E4B}">
-                <a14:imgProps xmlns:a14="http://schemas.microsoft.com/office/drawing/2010/main">
-                  <a14:imgLayer r:embed="rId3">
-                    <a14:imgEffect>
-                      <a14:brightnessContrast bright="40000" contrast="-40000"/>
-                    </a14:imgEffect>
-                  </a14:imgLayer>
-                </a14:imgProps>
-              </a:ext>
               <a:ext uri="{28A0092B-C50C-407E-A947-70E740481C1C}">
                 <a14:useLocalDpi xmlns:a14="http://schemas.microsoft.com/office/drawing/2010/main" val="0"/>
               </a:ext>
             </a:extLst>
           </a:blip>
-          <a:srcRect t="21088" r="1888" b="5442"/>
+          <a:srcRect b="5091"/>
           <a:stretch/>
         </p:blipFill>
         <p:spPr>
           <a:xfrm>
-            <a:off x="93306" y="1688841"/>
-            <a:ext cx="11961845" cy="5038532"/>
+            <a:off x="324689" y="578734"/>
+            <a:ext cx="11542620" cy="6162168"/>
           </a:xfrm>
           <a:prstGeom prst="rect">
             <a:avLst/>
@@ -4902,60 +5257,52 @@
       </p:pic>
       <p:sp>
         <p:nvSpPr>
-          <p:cNvPr id="6" name="Rectangle 5">
-            <a:extLst>
-              <a:ext uri="{FF2B5EF4-FFF2-40B4-BE49-F238E27FC236}">
-                <a16:creationId xmlns:a16="http://schemas.microsoft.com/office/drawing/2014/main" id="{CCBF65BE-CD42-440E-A6D5-AA70C39B21D3}"/>
-              </a:ext>
-            </a:extLst>
-          </p:cNvPr>
-          <p:cNvSpPr/>
+          <p:cNvPr id="4" name="TextBox 3">
+            <a:extLst>
+              <a:ext uri="{FF2B5EF4-FFF2-40B4-BE49-F238E27FC236}">
+                <a16:creationId xmlns:a16="http://schemas.microsoft.com/office/drawing/2014/main" id="{13C22528-0B6A-4868-980B-B22938714C4B}"/>
+              </a:ext>
+            </a:extLst>
+          </p:cNvPr>
+          <p:cNvSpPr txBox="1"/>
           <p:nvPr/>
         </p:nvSpPr>
         <p:spPr>
           <a:xfrm>
-            <a:off x="93306" y="4933270"/>
-            <a:ext cx="4800599" cy="1159620"/>
+            <a:off x="0" y="0"/>
+            <a:ext cx="12191999" cy="338554"/>
           </a:xfrm>
           <a:prstGeom prst="rect">
             <a:avLst/>
           </a:prstGeom>
-          <a:noFill/>
-          <a:ln w="38100">
-            <a:solidFill>
-              <a:srgbClr val="92D050"/>
-            </a:solidFill>
-          </a:ln>
-        </p:spPr>
-        <p:style>
-          <a:lnRef idx="2">
-            <a:schemeClr val="accent1">
-              <a:shade val="50000"/>
-            </a:schemeClr>
-          </a:lnRef>
-          <a:fillRef idx="1">
-            <a:schemeClr val="accent1"/>
-          </a:fillRef>
-          <a:effectRef idx="0">
-            <a:schemeClr val="accent1"/>
-          </a:effectRef>
-          <a:fontRef idx="minor">
-            <a:schemeClr val="lt1"/>
-          </a:fontRef>
-        </p:style>
-        <p:txBody>
-          <a:bodyPr rtlCol="0" anchor="ctr"/>
+          <a:solidFill>
+            <a:srgbClr val="92D050"/>
+          </a:solidFill>
+        </p:spPr>
+        <p:txBody>
+          <a:bodyPr wrap="square" rtlCol="0">
+            <a:spAutoFit/>
+          </a:bodyPr>
           <a:lstStyle/>
           <a:p>
             <a:pPr algn="ctr"/>
-            <a:endParaRPr lang="en-IN"/>
+            <a:r>
+              <a:rPr lang="en-IN" sz="1600" dirty="0">
+                <a:solidFill>
+                  <a:schemeClr val="bg1"/>
+                </a:solidFill>
+                <a:latin typeface="IBM Plex Mono" panose="020B0509050203000203" pitchFamily="49" charset="0"/>
+                <a:cs typeface="Arial" panose="020B0604020202020204" pitchFamily="34" charset="0"/>
+              </a:rPr>
+              <a:t>Step 9: Create a new HTML file in Web Content folder</a:t>
+            </a:r>
           </a:p>
         </p:txBody>
       </p:sp>
     </p:spTree>
     <p:extLst>
       <p:ext uri="{BB962C8B-B14F-4D97-AF65-F5344CB8AC3E}">
-        <p14:creationId xmlns:p14="http://schemas.microsoft.com/office/powerpoint/2010/main" val="1539043618"/>
+        <p14:creationId xmlns:p14="http://schemas.microsoft.com/office/powerpoint/2010/main" val="2771744973"/>
       </p:ext>
     </p:extLst>
   </p:cSld>
